--- a/src/06-Oop/06-OopAndModules.pptx
+++ b/src/06-Oop/06-OopAndModules.pptx
@@ -40,18 +40,24 @@
     <p:sldId id="293" r:id="rId34"/>
     <p:sldId id="294" r:id="rId35"/>
     <p:sldId id="295" r:id="rId36"/>
-    <p:sldId id="296" r:id="rId37"/>
-    <p:sldId id="297" r:id="rId38"/>
-    <p:sldId id="298" r:id="rId39"/>
-    <p:sldId id="299" r:id="rId40"/>
-    <p:sldId id="300" r:id="rId41"/>
-    <p:sldId id="301" r:id="rId42"/>
-    <p:sldId id="302" r:id="rId43"/>
-    <p:sldId id="303" r:id="rId44"/>
-    <p:sldId id="304" r:id="rId45"/>
-    <p:sldId id="305" r:id="rId46"/>
-    <p:sldId id="307" r:id="rId47"/>
-    <p:sldId id="258" r:id="rId48"/>
+    <p:sldId id="308" r:id="rId37"/>
+    <p:sldId id="296" r:id="rId38"/>
+    <p:sldId id="297" r:id="rId39"/>
+    <p:sldId id="298" r:id="rId40"/>
+    <p:sldId id="299" r:id="rId41"/>
+    <p:sldId id="300" r:id="rId42"/>
+    <p:sldId id="301" r:id="rId43"/>
+    <p:sldId id="302" r:id="rId44"/>
+    <p:sldId id="303" r:id="rId45"/>
+    <p:sldId id="304" r:id="rId46"/>
+    <p:sldId id="305" r:id="rId47"/>
+    <p:sldId id="307" r:id="rId48"/>
+    <p:sldId id="312" r:id="rId49"/>
+    <p:sldId id="309" r:id="rId50"/>
+    <p:sldId id="310" r:id="rId51"/>
+    <p:sldId id="311" r:id="rId52"/>
+    <p:sldId id="313" r:id="rId53"/>
+    <p:sldId id="258" r:id="rId54"/>
   </p:sldIdLst>
   <p:sldSz cx="12192000" cy="6858000"/>
   <p:notesSz cx="6858000" cy="9144000"/>
@@ -198,6 +204,7 @@
             <p14:sldId id="293"/>
             <p14:sldId id="294"/>
             <p14:sldId id="295"/>
+            <p14:sldId id="308"/>
             <p14:sldId id="296"/>
             <p14:sldId id="297"/>
             <p14:sldId id="298"/>
@@ -213,6 +220,11 @@
         </p14:section>
         <p14:section name="Conclusion" id="{FAAC3CD8-4D89-4EEB-BC6E-FC3060975D43}">
           <p14:sldIdLst>
+            <p14:sldId id="312"/>
+            <p14:sldId id="309"/>
+            <p14:sldId id="310"/>
+            <p14:sldId id="311"/>
+            <p14:sldId id="313"/>
             <p14:sldId id="258"/>
           </p14:sldIdLst>
         </p14:section>
@@ -4592,7 +4604,7 @@
           <a:p>
             <a:fld id="{EFAAC8F1-21AA-47EF-82D9-7929EA07D29D}" type="datetimeFigureOut">
               <a:rPr lang="ru-RU" smtClean="0"/>
-              <a:t>11.03.2023</a:t>
+              <a:t>12.03.2023</a:t>
             </a:fld>
             <a:endParaRPr lang="ru-RU"/>
           </a:p>
@@ -4792,7 +4804,7 @@
           <a:p>
             <a:fld id="{EFAAC8F1-21AA-47EF-82D9-7929EA07D29D}" type="datetimeFigureOut">
               <a:rPr lang="ru-RU" smtClean="0"/>
-              <a:t>11.03.2023</a:t>
+              <a:t>12.03.2023</a:t>
             </a:fld>
             <a:endParaRPr lang="ru-RU"/>
           </a:p>
@@ -5002,7 +5014,7 @@
           <a:p>
             <a:fld id="{EFAAC8F1-21AA-47EF-82D9-7929EA07D29D}" type="datetimeFigureOut">
               <a:rPr lang="ru-RU" smtClean="0"/>
-              <a:t>11.03.2023</a:t>
+              <a:t>12.03.2023</a:t>
             </a:fld>
             <a:endParaRPr lang="ru-RU"/>
           </a:p>
@@ -5202,7 +5214,7 @@
           <a:p>
             <a:fld id="{EFAAC8F1-21AA-47EF-82D9-7929EA07D29D}" type="datetimeFigureOut">
               <a:rPr lang="ru-RU" smtClean="0"/>
-              <a:t>11.03.2023</a:t>
+              <a:t>12.03.2023</a:t>
             </a:fld>
             <a:endParaRPr lang="ru-RU"/>
           </a:p>
@@ -5478,7 +5490,7 @@
           <a:p>
             <a:fld id="{EFAAC8F1-21AA-47EF-82D9-7929EA07D29D}" type="datetimeFigureOut">
               <a:rPr lang="ru-RU" smtClean="0"/>
-              <a:t>11.03.2023</a:t>
+              <a:t>12.03.2023</a:t>
             </a:fld>
             <a:endParaRPr lang="ru-RU"/>
           </a:p>
@@ -5746,7 +5758,7 @@
           <a:p>
             <a:fld id="{EFAAC8F1-21AA-47EF-82D9-7929EA07D29D}" type="datetimeFigureOut">
               <a:rPr lang="ru-RU" smtClean="0"/>
-              <a:t>11.03.2023</a:t>
+              <a:t>12.03.2023</a:t>
             </a:fld>
             <a:endParaRPr lang="ru-RU"/>
           </a:p>
@@ -6161,7 +6173,7 @@
           <a:p>
             <a:fld id="{EFAAC8F1-21AA-47EF-82D9-7929EA07D29D}" type="datetimeFigureOut">
               <a:rPr lang="ru-RU" smtClean="0"/>
-              <a:t>11.03.2023</a:t>
+              <a:t>12.03.2023</a:t>
             </a:fld>
             <a:endParaRPr lang="ru-RU"/>
           </a:p>
@@ -6303,7 +6315,7 @@
           <a:p>
             <a:fld id="{EFAAC8F1-21AA-47EF-82D9-7929EA07D29D}" type="datetimeFigureOut">
               <a:rPr lang="ru-RU" smtClean="0"/>
-              <a:t>11.03.2023</a:t>
+              <a:t>12.03.2023</a:t>
             </a:fld>
             <a:endParaRPr lang="ru-RU"/>
           </a:p>
@@ -6416,7 +6428,7 @@
           <a:p>
             <a:fld id="{EFAAC8F1-21AA-47EF-82D9-7929EA07D29D}" type="datetimeFigureOut">
               <a:rPr lang="ru-RU" smtClean="0"/>
-              <a:t>11.03.2023</a:t>
+              <a:t>12.03.2023</a:t>
             </a:fld>
             <a:endParaRPr lang="ru-RU"/>
           </a:p>
@@ -6729,7 +6741,7 @@
           <a:p>
             <a:fld id="{EFAAC8F1-21AA-47EF-82D9-7929EA07D29D}" type="datetimeFigureOut">
               <a:rPr lang="ru-RU" smtClean="0"/>
-              <a:t>11.03.2023</a:t>
+              <a:t>12.03.2023</a:t>
             </a:fld>
             <a:endParaRPr lang="ru-RU"/>
           </a:p>
@@ -7018,7 +7030,7 @@
           <a:p>
             <a:fld id="{EFAAC8F1-21AA-47EF-82D9-7929EA07D29D}" type="datetimeFigureOut">
               <a:rPr lang="ru-RU" smtClean="0"/>
-              <a:t>11.03.2023</a:t>
+              <a:t>12.03.2023</a:t>
             </a:fld>
             <a:endParaRPr lang="ru-RU"/>
           </a:p>
@@ -7261,7 +7273,7 @@
           <a:p>
             <a:fld id="{EFAAC8F1-21AA-47EF-82D9-7929EA07D29D}" type="datetimeFigureOut">
               <a:rPr lang="ru-RU" smtClean="0"/>
-              <a:t>11.03.2023</a:t>
+              <a:t>12.03.2023</a:t>
             </a:fld>
             <a:endParaRPr lang="ru-RU"/>
           </a:p>
@@ -26970,8 +26982,8 @@
           </a:p>
         </p:txBody>
       </p:sp>
-      <mc:AlternateContent xmlns:mc="http://schemas.openxmlformats.org/markup-compatibility/2006">
-        <mc:Choice xmlns:p14="http://schemas.microsoft.com/office/powerpoint/2010/main" Requires="p14">
+      <mc:AlternateContent xmlns:mc="http://schemas.openxmlformats.org/markup-compatibility/2006" xmlns:p14="http://schemas.microsoft.com/office/powerpoint/2010/main">
+        <mc:Choice Requires="p14">
           <p:contentPart p14:bwMode="auto" r:id="rId2">
             <p14:nvContentPartPr>
               <p14:cNvPr id="4" name="Ink 3">
@@ -26990,7 +27002,7 @@
             </p14:xfrm>
           </p:contentPart>
         </mc:Choice>
-        <mc:Fallback>
+        <mc:Fallback xmlns="">
           <p:pic>
             <p:nvPicPr>
               <p:cNvPr id="4" name="Ink 3">
@@ -27775,6 +27787,359 @@
       </p:grpSpPr>
       <p:sp>
         <p:nvSpPr>
+          <p:cNvPr id="5" name="Title 4">
+            <a:extLst>
+              <a:ext uri="{FF2B5EF4-FFF2-40B4-BE49-F238E27FC236}">
+                <a16:creationId xmlns:a16="http://schemas.microsoft.com/office/drawing/2014/main" id="{F2876B23-4F04-43A2-4C3A-9E56546230C4}"/>
+              </a:ext>
+            </a:extLst>
+          </p:cNvPr>
+          <p:cNvSpPr>
+            <a:spLocks noGrp="1"/>
+          </p:cNvSpPr>
+          <p:nvPr>
+            <p:ph type="title"/>
+          </p:nvPr>
+        </p:nvSpPr>
+        <p:spPr/>
+        <p:txBody>
+          <a:bodyPr/>
+          <a:lstStyle/>
+          <a:p>
+            <a:r>
+              <a:rPr lang="en-US" dirty="0"/>
+              <a:t>Visibility for everything</a:t>
+            </a:r>
+            <a:endParaRPr lang="ru-RU" dirty="0"/>
+          </a:p>
+        </p:txBody>
+      </p:sp>
+      <p:sp>
+        <p:nvSpPr>
+          <p:cNvPr id="6" name="Content Placeholder 5">
+            <a:extLst>
+              <a:ext uri="{FF2B5EF4-FFF2-40B4-BE49-F238E27FC236}">
+                <a16:creationId xmlns:a16="http://schemas.microsoft.com/office/drawing/2014/main" id="{1578DCC4-51F0-540B-1B15-D5067C37E396}"/>
+              </a:ext>
+            </a:extLst>
+          </p:cNvPr>
+          <p:cNvSpPr>
+            <a:spLocks noGrp="1"/>
+          </p:cNvSpPr>
+          <p:nvPr>
+            <p:ph idx="1"/>
+          </p:nvPr>
+        </p:nvSpPr>
+        <p:spPr/>
+        <p:txBody>
+          <a:bodyPr/>
+          <a:lstStyle/>
+          <a:p>
+            <a:pPr marL="0" indent="0">
+              <a:buNone/>
+            </a:pPr>
+            <a:r>
+              <a:rPr lang="en-US" dirty="0">
+                <a:solidFill>
+                  <a:srgbClr val="0033B3"/>
+                </a:solidFill>
+                <a:effectLst/>
+                <a:latin typeface="JetBrains Mono"/>
+              </a:rPr>
+              <a:t>pub mod </a:t>
+            </a:r>
+            <a:r>
+              <a:rPr lang="en-US" dirty="0">
+                <a:solidFill>
+                  <a:srgbClr val="000000"/>
+                </a:solidFill>
+                <a:effectLst/>
+                <a:latin typeface="JetBrains Mono"/>
+              </a:rPr>
+              <a:t>module </a:t>
+            </a:r>
+            <a:r>
+              <a:rPr lang="en-US" dirty="0">
+                <a:solidFill>
+                  <a:srgbClr val="080808"/>
+                </a:solidFill>
+                <a:effectLst/>
+                <a:latin typeface="JetBrains Mono"/>
+              </a:rPr>
+              <a:t>{</a:t>
+            </a:r>
+            <a:br>
+              <a:rPr lang="en-US" dirty="0">
+                <a:solidFill>
+                  <a:srgbClr val="080808"/>
+                </a:solidFill>
+                <a:effectLst/>
+                <a:latin typeface="JetBrains Mono"/>
+              </a:rPr>
+            </a:br>
+            <a:r>
+              <a:rPr lang="en-US" dirty="0">
+                <a:solidFill>
+                  <a:srgbClr val="080808"/>
+                </a:solidFill>
+                <a:effectLst/>
+                <a:latin typeface="JetBrains Mono"/>
+              </a:rPr>
+              <a:t>    </a:t>
+            </a:r>
+            <a:r>
+              <a:rPr lang="en-US" dirty="0">
+                <a:solidFill>
+                  <a:srgbClr val="0033B3"/>
+                </a:solidFill>
+                <a:effectLst/>
+                <a:latin typeface="JetBrains Mono"/>
+              </a:rPr>
+              <a:t>pub struct </a:t>
+            </a:r>
+            <a:r>
+              <a:rPr lang="en-US" dirty="0">
+                <a:solidFill>
+                  <a:srgbClr val="000000"/>
+                </a:solidFill>
+                <a:effectLst/>
+                <a:latin typeface="JetBrains Mono"/>
+              </a:rPr>
+              <a:t>MyStruct1</a:t>
+            </a:r>
+            <a:r>
+              <a:rPr lang="en-US" dirty="0">
+                <a:solidFill>
+                  <a:srgbClr val="080808"/>
+                </a:solidFill>
+                <a:effectLst/>
+                <a:latin typeface="JetBrains Mono"/>
+              </a:rPr>
+              <a:t>{</a:t>
+            </a:r>
+            <a:br>
+              <a:rPr lang="en-US" dirty="0">
+                <a:solidFill>
+                  <a:srgbClr val="080808"/>
+                </a:solidFill>
+                <a:effectLst/>
+                <a:latin typeface="JetBrains Mono"/>
+              </a:rPr>
+            </a:br>
+            <a:r>
+              <a:rPr lang="en-US" dirty="0">
+                <a:solidFill>
+                  <a:srgbClr val="080808"/>
+                </a:solidFill>
+                <a:effectLst/>
+                <a:latin typeface="JetBrains Mono"/>
+              </a:rPr>
+              <a:t>        </a:t>
+            </a:r>
+            <a:r>
+              <a:rPr lang="en-US" dirty="0">
+                <a:solidFill>
+                  <a:srgbClr val="0033B3"/>
+                </a:solidFill>
+                <a:effectLst/>
+                <a:latin typeface="JetBrains Mono"/>
+              </a:rPr>
+              <a:t>pub </a:t>
+            </a:r>
+            <a:r>
+              <a:rPr lang="en-US" dirty="0">
+                <a:solidFill>
+                  <a:srgbClr val="871094"/>
+                </a:solidFill>
+                <a:effectLst/>
+                <a:latin typeface="JetBrains Mono"/>
+              </a:rPr>
+              <a:t>value</a:t>
+            </a:r>
+            <a:r>
+              <a:rPr lang="en-US" dirty="0">
+                <a:solidFill>
+                  <a:srgbClr val="080808"/>
+                </a:solidFill>
+                <a:effectLst/>
+                <a:latin typeface="JetBrains Mono"/>
+              </a:rPr>
+              <a:t>: </a:t>
+            </a:r>
+            <a:r>
+              <a:rPr lang="en-US" dirty="0">
+                <a:solidFill>
+                  <a:srgbClr val="0033B3"/>
+                </a:solidFill>
+                <a:effectLst/>
+                <a:latin typeface="JetBrains Mono"/>
+              </a:rPr>
+              <a:t>i32</a:t>
+            </a:r>
+            <a:br>
+              <a:rPr lang="en-US" dirty="0">
+                <a:solidFill>
+                  <a:srgbClr val="0033B3"/>
+                </a:solidFill>
+                <a:effectLst/>
+                <a:latin typeface="JetBrains Mono"/>
+              </a:rPr>
+            </a:br>
+            <a:r>
+              <a:rPr lang="en-US" dirty="0">
+                <a:solidFill>
+                  <a:srgbClr val="0033B3"/>
+                </a:solidFill>
+                <a:effectLst/>
+                <a:latin typeface="JetBrains Mono"/>
+              </a:rPr>
+              <a:t>    </a:t>
+            </a:r>
+            <a:r>
+              <a:rPr lang="en-US" dirty="0">
+                <a:solidFill>
+                  <a:srgbClr val="080808"/>
+                </a:solidFill>
+                <a:effectLst/>
+                <a:latin typeface="JetBrains Mono"/>
+              </a:rPr>
+              <a:t>}</a:t>
+            </a:r>
+            <a:br>
+              <a:rPr lang="en-US" dirty="0">
+                <a:solidFill>
+                  <a:srgbClr val="080808"/>
+                </a:solidFill>
+                <a:effectLst/>
+                <a:latin typeface="JetBrains Mono"/>
+              </a:rPr>
+            </a:br>
+            <a:br>
+              <a:rPr lang="en-US" dirty="0">
+                <a:solidFill>
+                  <a:srgbClr val="080808"/>
+                </a:solidFill>
+                <a:effectLst/>
+                <a:latin typeface="JetBrains Mono"/>
+              </a:rPr>
+            </a:br>
+            <a:r>
+              <a:rPr lang="en-US" dirty="0">
+                <a:solidFill>
+                  <a:srgbClr val="080808"/>
+                </a:solidFill>
+                <a:effectLst/>
+                <a:latin typeface="JetBrains Mono"/>
+              </a:rPr>
+              <a:t>    </a:t>
+            </a:r>
+            <a:r>
+              <a:rPr lang="en-US" dirty="0">
+                <a:solidFill>
+                  <a:srgbClr val="0033B3"/>
+                </a:solidFill>
+                <a:effectLst/>
+                <a:latin typeface="JetBrains Mono"/>
+              </a:rPr>
+              <a:t>pub </a:t>
+            </a:r>
+            <a:r>
+              <a:rPr lang="en-US" dirty="0" err="1">
+                <a:solidFill>
+                  <a:srgbClr val="0033B3"/>
+                </a:solidFill>
+                <a:effectLst/>
+                <a:latin typeface="JetBrains Mono"/>
+              </a:rPr>
+              <a:t>fn</a:t>
+            </a:r>
+            <a:r>
+              <a:rPr lang="en-US" dirty="0">
+                <a:solidFill>
+                  <a:srgbClr val="0033B3"/>
+                </a:solidFill>
+                <a:effectLst/>
+                <a:latin typeface="JetBrains Mono"/>
+              </a:rPr>
+              <a:t> </a:t>
+            </a:r>
+            <a:r>
+              <a:rPr lang="en-US" dirty="0">
+                <a:solidFill>
+                  <a:srgbClr val="00627A"/>
+                </a:solidFill>
+                <a:effectLst/>
+                <a:latin typeface="JetBrains Mono"/>
+              </a:rPr>
+              <a:t>function</a:t>
+            </a:r>
+            <a:r>
+              <a:rPr lang="en-US" dirty="0">
+                <a:solidFill>
+                  <a:srgbClr val="080808"/>
+                </a:solidFill>
+                <a:effectLst/>
+                <a:latin typeface="JetBrains Mono"/>
+              </a:rPr>
+              <a:t>(){}</a:t>
+            </a:r>
+            <a:br>
+              <a:rPr lang="en-US" dirty="0">
+                <a:solidFill>
+                  <a:srgbClr val="080808"/>
+                </a:solidFill>
+                <a:effectLst/>
+                <a:latin typeface="JetBrains Mono"/>
+              </a:rPr>
+            </a:br>
+            <a:r>
+              <a:rPr lang="en-US" dirty="0">
+                <a:solidFill>
+                  <a:srgbClr val="080808"/>
+                </a:solidFill>
+                <a:effectLst/>
+                <a:latin typeface="JetBrains Mono"/>
+              </a:rPr>
+              <a:t>}</a:t>
+            </a:r>
+          </a:p>
+          <a:p>
+            <a:endParaRPr lang="ru-RU" dirty="0"/>
+          </a:p>
+        </p:txBody>
+      </p:sp>
+    </p:spTree>
+    <p:extLst>
+      <p:ext uri="{BB962C8B-B14F-4D97-AF65-F5344CB8AC3E}">
+        <p14:creationId xmlns:p14="http://schemas.microsoft.com/office/powerpoint/2010/main" val="2214291935"/>
+      </p:ext>
+    </p:extLst>
+  </p:cSld>
+  <p:clrMapOvr>
+    <a:masterClrMapping/>
+  </p:clrMapOvr>
+</p:sld>
+</file>
+
+<file path=ppt/slides/slide37.xml><?xml version="1.0" encoding="utf-8"?>
+<p:sld xmlns:a="http://schemas.openxmlformats.org/drawingml/2006/main" xmlns:r="http://schemas.openxmlformats.org/officeDocument/2006/relationships" xmlns:p="http://schemas.openxmlformats.org/presentationml/2006/main">
+  <p:cSld>
+    <p:spTree>
+      <p:nvGrpSpPr>
+        <p:cNvPr id="1" name=""/>
+        <p:cNvGrpSpPr/>
+        <p:nvPr/>
+      </p:nvGrpSpPr>
+      <p:grpSpPr>
+        <a:xfrm>
+          <a:off x="0" y="0"/>
+          <a:ext cx="0" cy="0"/>
+          <a:chOff x="0" y="0"/>
+          <a:chExt cx="0" cy="0"/>
+        </a:xfrm>
+      </p:grpSpPr>
+      <p:sp>
+        <p:nvSpPr>
           <p:cNvPr id="2" name="Title 1">
             <a:extLst>
               <a:ext uri="{FF2B5EF4-FFF2-40B4-BE49-F238E27FC236}">
@@ -28402,8 +28767,8 @@
           </a:p>
         </p:txBody>
       </p:sp>
-      <mc:AlternateContent xmlns:mc="http://schemas.openxmlformats.org/markup-compatibility/2006">
-        <mc:Choice xmlns:p14="http://schemas.microsoft.com/office/powerpoint/2010/main" Requires="p14">
+      <mc:AlternateContent xmlns:mc="http://schemas.openxmlformats.org/markup-compatibility/2006" xmlns:p14="http://schemas.microsoft.com/office/powerpoint/2010/main">
+        <mc:Choice Requires="p14">
           <p:contentPart p14:bwMode="auto" r:id="rId2">
             <p14:nvContentPartPr>
               <p14:cNvPr id="9" name="Ink 8">
@@ -28422,7 +28787,7 @@
             </p14:xfrm>
           </p:contentPart>
         </mc:Choice>
-        <mc:Fallback>
+        <mc:Fallback xmlns="">
           <p:pic>
             <p:nvPicPr>
               <p:cNvPr id="9" name="Ink 8">
@@ -28771,7 +29136,7 @@
 </p:sld>
 </file>
 
-<file path=ppt/slides/slide37.xml><?xml version="1.0" encoding="utf-8"?>
+<file path=ppt/slides/slide38.xml><?xml version="1.0" encoding="utf-8"?>
 <p:sld xmlns:a="http://schemas.openxmlformats.org/drawingml/2006/main" xmlns:r="http://schemas.openxmlformats.org/officeDocument/2006/relationships" xmlns:p="http://schemas.openxmlformats.org/presentationml/2006/main">
   <p:cSld>
     <p:spTree>
@@ -28865,7 +29230,7 @@
 </p:sld>
 </file>
 
-<file path=ppt/slides/slide38.xml><?xml version="1.0" encoding="utf-8"?>
+<file path=ppt/slides/slide39.xml><?xml version="1.0" encoding="utf-8"?>
 <p:sld xmlns:a="http://schemas.openxmlformats.org/drawingml/2006/main" xmlns:r="http://schemas.openxmlformats.org/officeDocument/2006/relationships" xmlns:p="http://schemas.openxmlformats.org/presentationml/2006/main">
   <p:cSld>
     <p:spTree>
@@ -29691,230 +30056,6 @@
         </p:cTn>
       </p:par>
     </p:tnLst>
-  </p:timing>
-</p:sld>
-</file>
-
-<file path=ppt/slides/slide39.xml><?xml version="1.0" encoding="utf-8"?>
-<p:sld xmlns:a="http://schemas.openxmlformats.org/drawingml/2006/main" xmlns:r="http://schemas.openxmlformats.org/officeDocument/2006/relationships" xmlns:p="http://schemas.openxmlformats.org/presentationml/2006/main">
-  <p:cSld>
-    <p:spTree>
-      <p:nvGrpSpPr>
-        <p:cNvPr id="1" name=""/>
-        <p:cNvGrpSpPr/>
-        <p:nvPr/>
-      </p:nvGrpSpPr>
-      <p:grpSpPr>
-        <a:xfrm>
-          <a:off x="0" y="0"/>
-          <a:ext cx="0" cy="0"/>
-          <a:chOff x="0" y="0"/>
-          <a:chExt cx="0" cy="0"/>
-        </a:xfrm>
-      </p:grpSpPr>
-      <p:sp>
-        <p:nvSpPr>
-          <p:cNvPr id="2" name="Title 1">
-            <a:extLst>
-              <a:ext uri="{FF2B5EF4-FFF2-40B4-BE49-F238E27FC236}">
-                <a16:creationId xmlns:a16="http://schemas.microsoft.com/office/drawing/2014/main" id="{EFC42A87-DF2E-B87D-113A-E2AB5EEE7FF6}"/>
-              </a:ext>
-            </a:extLst>
-          </p:cNvPr>
-          <p:cNvSpPr>
-            <a:spLocks noGrp="1"/>
-          </p:cNvSpPr>
-          <p:nvPr>
-            <p:ph type="title"/>
-          </p:nvPr>
-        </p:nvSpPr>
-        <p:spPr/>
-        <p:txBody>
-          <a:bodyPr/>
-          <a:lstStyle/>
-          <a:p>
-            <a:r>
-              <a:rPr lang="en-US" dirty="0"/>
-              <a:t>pub(self) </a:t>
-            </a:r>
-            <a:endParaRPr lang="ru-RU" dirty="0"/>
-          </a:p>
-        </p:txBody>
-      </p:sp>
-      <p:sp>
-        <p:nvSpPr>
-          <p:cNvPr id="3" name="Content Placeholder 2">
-            <a:extLst>
-              <a:ext uri="{FF2B5EF4-FFF2-40B4-BE49-F238E27FC236}">
-                <a16:creationId xmlns:a16="http://schemas.microsoft.com/office/drawing/2014/main" id="{B32F698F-AD04-ABE4-3445-A3096741FC81}"/>
-              </a:ext>
-            </a:extLst>
-          </p:cNvPr>
-          <p:cNvSpPr>
-            <a:spLocks noGrp="1"/>
-          </p:cNvSpPr>
-          <p:nvPr>
-            <p:ph idx="1"/>
-          </p:nvPr>
-        </p:nvSpPr>
-        <p:spPr/>
-        <p:txBody>
-          <a:bodyPr/>
-          <a:lstStyle/>
-          <a:p>
-            <a:r>
-              <a:rPr lang="en-US" dirty="0"/>
-              <a:t>Private</a:t>
-            </a:r>
-          </a:p>
-          <a:p>
-            <a:r>
-              <a:rPr lang="en-US" dirty="0"/>
-              <a:t>Default attribute</a:t>
-            </a:r>
-          </a:p>
-        </p:txBody>
-      </p:sp>
-    </p:spTree>
-    <p:extLst>
-      <p:ext uri="{BB962C8B-B14F-4D97-AF65-F5344CB8AC3E}">
-        <p14:creationId xmlns:p14="http://schemas.microsoft.com/office/powerpoint/2010/main" val="2546711873"/>
-      </p:ext>
-    </p:extLst>
-  </p:cSld>
-  <p:clrMapOvr>
-    <a:masterClrMapping/>
-  </p:clrMapOvr>
-  <p:timing>
-    <p:tnLst>
-      <p:par>
-        <p:cTn id="1" dur="indefinite" restart="never" nodeType="tmRoot">
-          <p:childTnLst>
-            <p:seq concurrent="1" nextAc="seek">
-              <p:cTn id="2" dur="indefinite" nodeType="mainSeq">
-                <p:childTnLst>
-                  <p:par>
-                    <p:cTn id="3" fill="hold">
-                      <p:stCondLst>
-                        <p:cond delay="indefinite"/>
-                      </p:stCondLst>
-                      <p:childTnLst>
-                        <p:par>
-                          <p:cTn id="4" fill="hold">
-                            <p:stCondLst>
-                              <p:cond delay="0"/>
-                            </p:stCondLst>
-                            <p:childTnLst>
-                              <p:par>
-                                <p:cTn id="5" presetID="1" presetClass="entr" presetSubtype="0" fill="hold" grpId="0" nodeType="clickEffect">
-                                  <p:stCondLst>
-                                    <p:cond delay="0"/>
-                                  </p:stCondLst>
-                                  <p:childTnLst>
-                                    <p:set>
-                                      <p:cBhvr>
-                                        <p:cTn id="6" dur="1" fill="hold">
-                                          <p:stCondLst>
-                                            <p:cond delay="0"/>
-                                          </p:stCondLst>
-                                        </p:cTn>
-                                        <p:tgtEl>
-                                          <p:spTgt spid="3">
-                                            <p:txEl>
-                                              <p:pRg st="0" end="0"/>
-                                            </p:txEl>
-                                          </p:spTgt>
-                                        </p:tgtEl>
-                                        <p:attrNameLst>
-                                          <p:attrName>style.visibility</p:attrName>
-                                        </p:attrNameLst>
-                                      </p:cBhvr>
-                                      <p:to>
-                                        <p:strVal val="visible"/>
-                                      </p:to>
-                                    </p:set>
-                                  </p:childTnLst>
-                                </p:cTn>
-                              </p:par>
-                            </p:childTnLst>
-                          </p:cTn>
-                        </p:par>
-                      </p:childTnLst>
-                    </p:cTn>
-                  </p:par>
-                  <p:par>
-                    <p:cTn id="7" fill="hold">
-                      <p:stCondLst>
-                        <p:cond delay="indefinite"/>
-                      </p:stCondLst>
-                      <p:childTnLst>
-                        <p:par>
-                          <p:cTn id="8" fill="hold">
-                            <p:stCondLst>
-                              <p:cond delay="0"/>
-                            </p:stCondLst>
-                            <p:childTnLst>
-                              <p:par>
-                                <p:cTn id="9" presetID="1" presetClass="entr" presetSubtype="0" fill="hold" grpId="0" nodeType="clickEffect">
-                                  <p:stCondLst>
-                                    <p:cond delay="0"/>
-                                  </p:stCondLst>
-                                  <p:childTnLst>
-                                    <p:set>
-                                      <p:cBhvr>
-                                        <p:cTn id="10" dur="1" fill="hold">
-                                          <p:stCondLst>
-                                            <p:cond delay="0"/>
-                                          </p:stCondLst>
-                                        </p:cTn>
-                                        <p:tgtEl>
-                                          <p:spTgt spid="3">
-                                            <p:txEl>
-                                              <p:pRg st="1" end="1"/>
-                                            </p:txEl>
-                                          </p:spTgt>
-                                        </p:tgtEl>
-                                        <p:attrNameLst>
-                                          <p:attrName>style.visibility</p:attrName>
-                                        </p:attrNameLst>
-                                      </p:cBhvr>
-                                      <p:to>
-                                        <p:strVal val="visible"/>
-                                      </p:to>
-                                    </p:set>
-                                  </p:childTnLst>
-                                </p:cTn>
-                              </p:par>
-                            </p:childTnLst>
-                          </p:cTn>
-                        </p:par>
-                      </p:childTnLst>
-                    </p:cTn>
-                  </p:par>
-                </p:childTnLst>
-              </p:cTn>
-              <p:prevCondLst>
-                <p:cond evt="onPrev" delay="0">
-                  <p:tgtEl>
-                    <p:sldTgt/>
-                  </p:tgtEl>
-                </p:cond>
-              </p:prevCondLst>
-              <p:nextCondLst>
-                <p:cond evt="onNext" delay="0">
-                  <p:tgtEl>
-                    <p:sldTgt/>
-                  </p:tgtEl>
-                </p:cond>
-              </p:nextCondLst>
-            </p:seq>
-          </p:childTnLst>
-        </p:cTn>
-      </p:par>
-    </p:tnLst>
-    <p:bldLst>
-      <p:bldP spid="3" grpId="0" build="p"/>
-    </p:bldLst>
   </p:timing>
 </p:sld>
 </file>
@@ -30601,6 +30742,230 @@
           <p:cNvPr id="2" name="Title 1">
             <a:extLst>
               <a:ext uri="{FF2B5EF4-FFF2-40B4-BE49-F238E27FC236}">
+                <a16:creationId xmlns:a16="http://schemas.microsoft.com/office/drawing/2014/main" id="{EFC42A87-DF2E-B87D-113A-E2AB5EEE7FF6}"/>
+              </a:ext>
+            </a:extLst>
+          </p:cNvPr>
+          <p:cNvSpPr>
+            <a:spLocks noGrp="1"/>
+          </p:cNvSpPr>
+          <p:nvPr>
+            <p:ph type="title"/>
+          </p:nvPr>
+        </p:nvSpPr>
+        <p:spPr/>
+        <p:txBody>
+          <a:bodyPr/>
+          <a:lstStyle/>
+          <a:p>
+            <a:r>
+              <a:rPr lang="en-US" dirty="0"/>
+              <a:t>pub(self) </a:t>
+            </a:r>
+            <a:endParaRPr lang="ru-RU" dirty="0"/>
+          </a:p>
+        </p:txBody>
+      </p:sp>
+      <p:sp>
+        <p:nvSpPr>
+          <p:cNvPr id="3" name="Content Placeholder 2">
+            <a:extLst>
+              <a:ext uri="{FF2B5EF4-FFF2-40B4-BE49-F238E27FC236}">
+                <a16:creationId xmlns:a16="http://schemas.microsoft.com/office/drawing/2014/main" id="{B32F698F-AD04-ABE4-3445-A3096741FC81}"/>
+              </a:ext>
+            </a:extLst>
+          </p:cNvPr>
+          <p:cNvSpPr>
+            <a:spLocks noGrp="1"/>
+          </p:cNvSpPr>
+          <p:nvPr>
+            <p:ph idx="1"/>
+          </p:nvPr>
+        </p:nvSpPr>
+        <p:spPr/>
+        <p:txBody>
+          <a:bodyPr/>
+          <a:lstStyle/>
+          <a:p>
+            <a:r>
+              <a:rPr lang="en-US" dirty="0"/>
+              <a:t>Private</a:t>
+            </a:r>
+          </a:p>
+          <a:p>
+            <a:r>
+              <a:rPr lang="en-US" dirty="0"/>
+              <a:t>Default attribute</a:t>
+            </a:r>
+          </a:p>
+        </p:txBody>
+      </p:sp>
+    </p:spTree>
+    <p:extLst>
+      <p:ext uri="{BB962C8B-B14F-4D97-AF65-F5344CB8AC3E}">
+        <p14:creationId xmlns:p14="http://schemas.microsoft.com/office/powerpoint/2010/main" val="2546711873"/>
+      </p:ext>
+    </p:extLst>
+  </p:cSld>
+  <p:clrMapOvr>
+    <a:masterClrMapping/>
+  </p:clrMapOvr>
+  <p:timing>
+    <p:tnLst>
+      <p:par>
+        <p:cTn id="1" dur="indefinite" restart="never" nodeType="tmRoot">
+          <p:childTnLst>
+            <p:seq concurrent="1" nextAc="seek">
+              <p:cTn id="2" dur="indefinite" nodeType="mainSeq">
+                <p:childTnLst>
+                  <p:par>
+                    <p:cTn id="3" fill="hold">
+                      <p:stCondLst>
+                        <p:cond delay="indefinite"/>
+                      </p:stCondLst>
+                      <p:childTnLst>
+                        <p:par>
+                          <p:cTn id="4" fill="hold">
+                            <p:stCondLst>
+                              <p:cond delay="0"/>
+                            </p:stCondLst>
+                            <p:childTnLst>
+                              <p:par>
+                                <p:cTn id="5" presetID="1" presetClass="entr" presetSubtype="0" fill="hold" grpId="0" nodeType="clickEffect">
+                                  <p:stCondLst>
+                                    <p:cond delay="0"/>
+                                  </p:stCondLst>
+                                  <p:childTnLst>
+                                    <p:set>
+                                      <p:cBhvr>
+                                        <p:cTn id="6" dur="1" fill="hold">
+                                          <p:stCondLst>
+                                            <p:cond delay="0"/>
+                                          </p:stCondLst>
+                                        </p:cTn>
+                                        <p:tgtEl>
+                                          <p:spTgt spid="3">
+                                            <p:txEl>
+                                              <p:pRg st="0" end="0"/>
+                                            </p:txEl>
+                                          </p:spTgt>
+                                        </p:tgtEl>
+                                        <p:attrNameLst>
+                                          <p:attrName>style.visibility</p:attrName>
+                                        </p:attrNameLst>
+                                      </p:cBhvr>
+                                      <p:to>
+                                        <p:strVal val="visible"/>
+                                      </p:to>
+                                    </p:set>
+                                  </p:childTnLst>
+                                </p:cTn>
+                              </p:par>
+                            </p:childTnLst>
+                          </p:cTn>
+                        </p:par>
+                      </p:childTnLst>
+                    </p:cTn>
+                  </p:par>
+                  <p:par>
+                    <p:cTn id="7" fill="hold">
+                      <p:stCondLst>
+                        <p:cond delay="indefinite"/>
+                      </p:stCondLst>
+                      <p:childTnLst>
+                        <p:par>
+                          <p:cTn id="8" fill="hold">
+                            <p:stCondLst>
+                              <p:cond delay="0"/>
+                            </p:stCondLst>
+                            <p:childTnLst>
+                              <p:par>
+                                <p:cTn id="9" presetID="1" presetClass="entr" presetSubtype="0" fill="hold" grpId="0" nodeType="clickEffect">
+                                  <p:stCondLst>
+                                    <p:cond delay="0"/>
+                                  </p:stCondLst>
+                                  <p:childTnLst>
+                                    <p:set>
+                                      <p:cBhvr>
+                                        <p:cTn id="10" dur="1" fill="hold">
+                                          <p:stCondLst>
+                                            <p:cond delay="0"/>
+                                          </p:stCondLst>
+                                        </p:cTn>
+                                        <p:tgtEl>
+                                          <p:spTgt spid="3">
+                                            <p:txEl>
+                                              <p:pRg st="1" end="1"/>
+                                            </p:txEl>
+                                          </p:spTgt>
+                                        </p:tgtEl>
+                                        <p:attrNameLst>
+                                          <p:attrName>style.visibility</p:attrName>
+                                        </p:attrNameLst>
+                                      </p:cBhvr>
+                                      <p:to>
+                                        <p:strVal val="visible"/>
+                                      </p:to>
+                                    </p:set>
+                                  </p:childTnLst>
+                                </p:cTn>
+                              </p:par>
+                            </p:childTnLst>
+                          </p:cTn>
+                        </p:par>
+                      </p:childTnLst>
+                    </p:cTn>
+                  </p:par>
+                </p:childTnLst>
+              </p:cTn>
+              <p:prevCondLst>
+                <p:cond evt="onPrev" delay="0">
+                  <p:tgtEl>
+                    <p:sldTgt/>
+                  </p:tgtEl>
+                </p:cond>
+              </p:prevCondLst>
+              <p:nextCondLst>
+                <p:cond evt="onNext" delay="0">
+                  <p:tgtEl>
+                    <p:sldTgt/>
+                  </p:tgtEl>
+                </p:cond>
+              </p:nextCondLst>
+            </p:seq>
+          </p:childTnLst>
+        </p:cTn>
+      </p:par>
+    </p:tnLst>
+    <p:bldLst>
+      <p:bldP spid="3" grpId="0" build="p"/>
+    </p:bldLst>
+  </p:timing>
+</p:sld>
+</file>
+
+<file path=ppt/slides/slide41.xml><?xml version="1.0" encoding="utf-8"?>
+<p:sld xmlns:a="http://schemas.openxmlformats.org/drawingml/2006/main" xmlns:r="http://schemas.openxmlformats.org/officeDocument/2006/relationships" xmlns:p="http://schemas.openxmlformats.org/presentationml/2006/main">
+  <p:cSld>
+    <p:spTree>
+      <p:nvGrpSpPr>
+        <p:cNvPr id="1" name=""/>
+        <p:cNvGrpSpPr/>
+        <p:nvPr/>
+      </p:nvGrpSpPr>
+      <p:grpSpPr>
+        <a:xfrm>
+          <a:off x="0" y="0"/>
+          <a:ext cx="0" cy="0"/>
+          <a:chOff x="0" y="0"/>
+          <a:chExt cx="0" cy="0"/>
+        </a:xfrm>
+      </p:grpSpPr>
+      <p:sp>
+        <p:nvSpPr>
+          <p:cNvPr id="2" name="Title 1">
+            <a:extLst>
+              <a:ext uri="{FF2B5EF4-FFF2-40B4-BE49-F238E27FC236}">
                 <a16:creationId xmlns:a16="http://schemas.microsoft.com/office/drawing/2014/main" id="{76E18C8A-6DB0-A937-F12B-54C93C86F298}"/>
               </a:ext>
             </a:extLst>
@@ -32000,8 +32365,8 @@
           </a:p>
         </p:txBody>
       </p:sp>
-      <mc:AlternateContent xmlns:mc="http://schemas.openxmlformats.org/markup-compatibility/2006">
-        <mc:Choice xmlns:p14="http://schemas.microsoft.com/office/powerpoint/2010/main" Requires="p14">
+      <mc:AlternateContent xmlns:mc="http://schemas.openxmlformats.org/markup-compatibility/2006" xmlns:p14="http://schemas.microsoft.com/office/powerpoint/2010/main">
+        <mc:Choice Requires="p14">
           <p:contentPart p14:bwMode="auto" r:id="rId2">
             <p14:nvContentPartPr>
               <p14:cNvPr id="7" name="Ink 6">
@@ -32020,7 +32385,7 @@
             </p14:xfrm>
           </p:contentPart>
         </mc:Choice>
-        <mc:Fallback>
+        <mc:Fallback xmlns="">
           <p:pic>
             <p:nvPicPr>
               <p:cNvPr id="7" name="Ink 6">
@@ -32051,8 +32416,8 @@
           </p:pic>
         </mc:Fallback>
       </mc:AlternateContent>
-      <mc:AlternateContent xmlns:mc="http://schemas.openxmlformats.org/markup-compatibility/2006">
-        <mc:Choice xmlns:p14="http://schemas.microsoft.com/office/powerpoint/2010/main" Requires="p14">
+      <mc:AlternateContent xmlns:mc="http://schemas.openxmlformats.org/markup-compatibility/2006" xmlns:p14="http://schemas.microsoft.com/office/powerpoint/2010/main">
+        <mc:Choice Requires="p14">
           <p:contentPart p14:bwMode="auto" r:id="rId4">
             <p14:nvContentPartPr>
               <p14:cNvPr id="8" name="Ink 7">
@@ -32071,7 +32436,7 @@
             </p14:xfrm>
           </p:contentPart>
         </mc:Choice>
-        <mc:Fallback>
+        <mc:Fallback xmlns="">
           <p:pic>
             <p:nvPicPr>
               <p:cNvPr id="8" name="Ink 7">
@@ -32102,8 +32467,8 @@
           </p:pic>
         </mc:Fallback>
       </mc:AlternateContent>
-      <mc:AlternateContent xmlns:mc="http://schemas.openxmlformats.org/markup-compatibility/2006">
-        <mc:Choice xmlns:p14="http://schemas.microsoft.com/office/powerpoint/2010/main" Requires="p14">
+      <mc:AlternateContent xmlns:mc="http://schemas.openxmlformats.org/markup-compatibility/2006" xmlns:p14="http://schemas.microsoft.com/office/powerpoint/2010/main">
+        <mc:Choice Requires="p14">
           <p:contentPart p14:bwMode="auto" r:id="rId6">
             <p14:nvContentPartPr>
               <p14:cNvPr id="10" name="Ink 9">
@@ -32122,7 +32487,7 @@
             </p14:xfrm>
           </p:contentPart>
         </mc:Choice>
-        <mc:Fallback>
+        <mc:Fallback xmlns="">
           <p:pic>
             <p:nvPicPr>
               <p:cNvPr id="10" name="Ink 9">
@@ -32153,8 +32518,8 @@
           </p:pic>
         </mc:Fallback>
       </mc:AlternateContent>
-      <mc:AlternateContent xmlns:mc="http://schemas.openxmlformats.org/markup-compatibility/2006">
-        <mc:Choice xmlns:p14="http://schemas.microsoft.com/office/powerpoint/2010/main" Requires="p14">
+      <mc:AlternateContent xmlns:mc="http://schemas.openxmlformats.org/markup-compatibility/2006" xmlns:p14="http://schemas.microsoft.com/office/powerpoint/2010/main">
+        <mc:Choice Requires="p14">
           <p:contentPart p14:bwMode="auto" r:id="rId8">
             <p14:nvContentPartPr>
               <p14:cNvPr id="11" name="Ink 10">
@@ -32173,7 +32538,7 @@
             </p14:xfrm>
           </p:contentPart>
         </mc:Choice>
-        <mc:Fallback>
+        <mc:Fallback xmlns="">
           <p:pic>
             <p:nvPicPr>
               <p:cNvPr id="11" name="Ink 10">
@@ -32519,7 +32884,7 @@
 </p:sld>
 </file>
 
-<file path=ppt/slides/slide41.xml><?xml version="1.0" encoding="utf-8"?>
+<file path=ppt/slides/slide42.xml><?xml version="1.0" encoding="utf-8"?>
 <p:sld xmlns:a="http://schemas.openxmlformats.org/drawingml/2006/main" xmlns:r="http://schemas.openxmlformats.org/officeDocument/2006/relationships" xmlns:p="http://schemas.openxmlformats.org/presentationml/2006/main">
   <p:cSld>
     <p:spTree>
@@ -35102,8 +35467,8 @@
           </a:p>
         </p:txBody>
       </p:sp>
-      <mc:AlternateContent xmlns:mc="http://schemas.openxmlformats.org/markup-compatibility/2006">
-        <mc:Choice xmlns:p14="http://schemas.microsoft.com/office/powerpoint/2010/main" Requires="p14">
+      <mc:AlternateContent xmlns:mc="http://schemas.openxmlformats.org/markup-compatibility/2006" xmlns:p14="http://schemas.microsoft.com/office/powerpoint/2010/main">
+        <mc:Choice Requires="p14">
           <p:contentPart p14:bwMode="auto" r:id="rId2">
             <p14:nvContentPartPr>
               <p14:cNvPr id="7" name="Ink 6">
@@ -35122,7 +35487,7 @@
             </p14:xfrm>
           </p:contentPart>
         </mc:Choice>
-        <mc:Fallback>
+        <mc:Fallback xmlns="">
           <p:pic>
             <p:nvPicPr>
               <p:cNvPr id="7" name="Ink 6">
@@ -35153,8 +35518,8 @@
           </p:pic>
         </mc:Fallback>
       </mc:AlternateContent>
-      <mc:AlternateContent xmlns:mc="http://schemas.openxmlformats.org/markup-compatibility/2006">
-        <mc:Choice xmlns:p14="http://schemas.microsoft.com/office/powerpoint/2010/main" Requires="p14">
+      <mc:AlternateContent xmlns:mc="http://schemas.openxmlformats.org/markup-compatibility/2006" xmlns:p14="http://schemas.microsoft.com/office/powerpoint/2010/main">
+        <mc:Choice Requires="p14">
           <p:contentPart p14:bwMode="auto" r:id="rId4">
             <p14:nvContentPartPr>
               <p14:cNvPr id="8" name="Ink 7">
@@ -35173,7 +35538,7 @@
             </p14:xfrm>
           </p:contentPart>
         </mc:Choice>
-        <mc:Fallback>
+        <mc:Fallback xmlns="">
           <p:pic>
             <p:nvPicPr>
               <p:cNvPr id="8" name="Ink 7">
@@ -35204,8 +35569,8 @@
           </p:pic>
         </mc:Fallback>
       </mc:AlternateContent>
-      <mc:AlternateContent xmlns:mc="http://schemas.openxmlformats.org/markup-compatibility/2006">
-        <mc:Choice xmlns:p14="http://schemas.microsoft.com/office/powerpoint/2010/main" Requires="p14">
+      <mc:AlternateContent xmlns:mc="http://schemas.openxmlformats.org/markup-compatibility/2006" xmlns:p14="http://schemas.microsoft.com/office/powerpoint/2010/main">
+        <mc:Choice Requires="p14">
           <p:contentPart p14:bwMode="auto" r:id="rId6">
             <p14:nvContentPartPr>
               <p14:cNvPr id="9" name="Ink 8">
@@ -35224,7 +35589,7 @@
             </p14:xfrm>
           </p:contentPart>
         </mc:Choice>
-        <mc:Fallback>
+        <mc:Fallback xmlns="">
           <p:pic>
             <p:nvPicPr>
               <p:cNvPr id="9" name="Ink 8">
@@ -35466,7 +35831,7 @@
 </p:sld>
 </file>
 
-<file path=ppt/slides/slide42.xml><?xml version="1.0" encoding="utf-8"?>
+<file path=ppt/slides/slide43.xml><?xml version="1.0" encoding="utf-8"?>
 <p:sld xmlns:a="http://schemas.openxmlformats.org/drawingml/2006/main" xmlns:r="http://schemas.openxmlformats.org/officeDocument/2006/relationships" xmlns:p="http://schemas.openxmlformats.org/presentationml/2006/main">
   <p:cSld>
     <p:spTree>
@@ -36987,7 +37352,7 @@
 </p:sld>
 </file>
 
-<file path=ppt/slides/slide43.xml><?xml version="1.0" encoding="utf-8"?>
+<file path=ppt/slides/slide44.xml><?xml version="1.0" encoding="utf-8"?>
 <p:sld xmlns:a="http://schemas.openxmlformats.org/drawingml/2006/main" xmlns:r="http://schemas.openxmlformats.org/officeDocument/2006/relationships" xmlns:p="http://schemas.openxmlformats.org/presentationml/2006/main">
   <p:cSld>
     <p:spTree>
@@ -37566,7 +37931,7 @@
 </p:sld>
 </file>
 
-<file path=ppt/slides/slide44.xml><?xml version="1.0" encoding="utf-8"?>
+<file path=ppt/slides/slide45.xml><?xml version="1.0" encoding="utf-8"?>
 <p:sld xmlns:a="http://schemas.openxmlformats.org/drawingml/2006/main" xmlns:r="http://schemas.openxmlformats.org/officeDocument/2006/relationships" xmlns:p="http://schemas.openxmlformats.org/presentationml/2006/main">
   <p:cSld>
     <p:spTree>
@@ -37708,7 +38073,7 @@
 </p:sld>
 </file>
 
-<file path=ppt/slides/slide45.xml><?xml version="1.0" encoding="utf-8"?>
+<file path=ppt/slides/slide46.xml><?xml version="1.0" encoding="utf-8"?>
 <p:sld xmlns:a="http://schemas.openxmlformats.org/drawingml/2006/main" xmlns:r="http://schemas.openxmlformats.org/officeDocument/2006/relationships" xmlns:p="http://schemas.openxmlformats.org/presentationml/2006/main">
   <p:cSld>
     <p:spTree>
@@ -38427,7 +38792,7 @@
 </p:sld>
 </file>
 
-<file path=ppt/slides/slide46.xml><?xml version="1.0" encoding="utf-8"?>
+<file path=ppt/slides/slide47.xml><?xml version="1.0" encoding="utf-8"?>
 <p:sld xmlns:a="http://schemas.openxmlformats.org/drawingml/2006/main" xmlns:r="http://schemas.openxmlformats.org/officeDocument/2006/relationships" xmlns:p="http://schemas.openxmlformats.org/presentationml/2006/main">
   <p:cSld>
     <p:spTree>
@@ -38901,7 +39266,7 @@
 </p:sld>
 </file>
 
-<file path=ppt/slides/slide47.xml><?xml version="1.0" encoding="utf-8"?>
+<file path=ppt/slides/slide48.xml><?xml version="1.0" encoding="utf-8"?>
 <p:sld xmlns:a="http://schemas.openxmlformats.org/drawingml/2006/main" xmlns:r="http://schemas.openxmlformats.org/officeDocument/2006/relationships" xmlns:p="http://schemas.openxmlformats.org/presentationml/2006/main">
   <p:cSld>
     <p:spTree>
@@ -38923,7 +39288,7 @@
           <p:cNvPr id="2" name="Title 1">
             <a:extLst>
               <a:ext uri="{FF2B5EF4-FFF2-40B4-BE49-F238E27FC236}">
-                <a16:creationId xmlns:a16="http://schemas.microsoft.com/office/drawing/2014/main" id="{6EAC2F57-76F8-946A-9A2F-91D6B0DFCD10}"/>
+                <a16:creationId xmlns:a16="http://schemas.microsoft.com/office/drawing/2014/main" id="{C9FAE5B0-3613-0287-CD1A-8BF961037FC8}"/>
               </a:ext>
             </a:extLst>
           </p:cNvPr>
@@ -38952,7 +39317,531 @@
           <p:cNvPr id="3" name="Content Placeholder 2">
             <a:extLst>
               <a:ext uri="{FF2B5EF4-FFF2-40B4-BE49-F238E27FC236}">
-                <a16:creationId xmlns:a16="http://schemas.microsoft.com/office/drawing/2014/main" id="{357DED15-6CD3-6C54-F2B8-38B251C4BF7A}"/>
+                <a16:creationId xmlns:a16="http://schemas.microsoft.com/office/drawing/2014/main" id="{E4D053C8-9081-DD88-DCCB-7B0D8956D2D2}"/>
+              </a:ext>
+            </a:extLst>
+          </p:cNvPr>
+          <p:cNvSpPr>
+            <a:spLocks noGrp="1"/>
+          </p:cNvSpPr>
+          <p:nvPr>
+            <p:ph idx="1"/>
+          </p:nvPr>
+        </p:nvSpPr>
+        <p:spPr/>
+        <p:txBody>
+          <a:bodyPr>
+            <a:normAutofit lnSpcReduction="10000"/>
+          </a:bodyPr>
+          <a:lstStyle/>
+          <a:p>
+            <a:pPr marL="0" indent="0">
+              <a:buNone/>
+            </a:pPr>
+            <a:r>
+              <a:rPr lang="en-US" dirty="0"/>
+              <a:t>Visitor pattern: </a:t>
+            </a:r>
+            <a:r>
+              <a:rPr lang="en-US" dirty="0">
+                <a:hlinkClick r:id="rId2"/>
+              </a:rPr>
+              <a:t>https://refactoring.guru/design-patterns/visitor</a:t>
+            </a:r>
+            <a:endParaRPr lang="en-US" dirty="0">
+              <a:solidFill>
+                <a:srgbClr val="0033B3"/>
+              </a:solidFill>
+              <a:effectLst/>
+              <a:latin typeface="JetBrains Mono"/>
+            </a:endParaRPr>
+          </a:p>
+          <a:p>
+            <a:pPr marL="0" indent="0">
+              <a:buNone/>
+            </a:pPr>
+            <a:endParaRPr lang="en-US">
+              <a:solidFill>
+                <a:srgbClr val="0033B3"/>
+              </a:solidFill>
+              <a:effectLst/>
+              <a:latin typeface="JetBrains Mono"/>
+            </a:endParaRPr>
+          </a:p>
+          <a:p>
+            <a:pPr marL="0" indent="0">
+              <a:buNone/>
+            </a:pPr>
+            <a:r>
+              <a:rPr lang="en-US">
+                <a:solidFill>
+                  <a:srgbClr val="0033B3"/>
+                </a:solidFill>
+                <a:effectLst/>
+                <a:latin typeface="JetBrains Mono"/>
+              </a:rPr>
+              <a:t>trait </a:t>
+            </a:r>
+            <a:r>
+              <a:rPr lang="en-US" dirty="0">
+                <a:solidFill>
+                  <a:srgbClr val="000000"/>
+                </a:solidFill>
+                <a:effectLst/>
+                <a:latin typeface="JetBrains Mono"/>
+              </a:rPr>
+              <a:t>Statement </a:t>
+            </a:r>
+            <a:r>
+              <a:rPr lang="en-US" dirty="0">
+                <a:solidFill>
+                  <a:srgbClr val="080808"/>
+                </a:solidFill>
+                <a:effectLst/>
+                <a:latin typeface="JetBrains Mono"/>
+              </a:rPr>
+              <a:t>{</a:t>
+            </a:r>
+            <a:br>
+              <a:rPr lang="en-US" dirty="0">
+                <a:solidFill>
+                  <a:srgbClr val="080808"/>
+                </a:solidFill>
+                <a:effectLst/>
+                <a:latin typeface="JetBrains Mono"/>
+              </a:rPr>
+            </a:br>
+            <a:r>
+              <a:rPr lang="en-US" dirty="0">
+                <a:solidFill>
+                  <a:srgbClr val="080808"/>
+                </a:solidFill>
+                <a:effectLst/>
+                <a:latin typeface="JetBrains Mono"/>
+              </a:rPr>
+              <a:t>    </a:t>
+            </a:r>
+            <a:r>
+              <a:rPr lang="en-US" dirty="0" err="1">
+                <a:solidFill>
+                  <a:srgbClr val="0033B3"/>
+                </a:solidFill>
+                <a:effectLst/>
+                <a:latin typeface="JetBrains Mono"/>
+              </a:rPr>
+              <a:t>fn</a:t>
+            </a:r>
+            <a:r>
+              <a:rPr lang="en-US" dirty="0">
+                <a:solidFill>
+                  <a:srgbClr val="0033B3"/>
+                </a:solidFill>
+                <a:effectLst/>
+                <a:latin typeface="JetBrains Mono"/>
+              </a:rPr>
+              <a:t> </a:t>
+            </a:r>
+            <a:r>
+              <a:rPr lang="en-US" dirty="0">
+                <a:solidFill>
+                  <a:srgbClr val="00627A"/>
+                </a:solidFill>
+                <a:effectLst/>
+                <a:latin typeface="JetBrains Mono"/>
+              </a:rPr>
+              <a:t>accept</a:t>
+            </a:r>
+            <a:r>
+              <a:rPr lang="en-US" dirty="0">
+                <a:solidFill>
+                  <a:srgbClr val="080808"/>
+                </a:solidFill>
+                <a:effectLst/>
+                <a:latin typeface="JetBrains Mono"/>
+              </a:rPr>
+              <a:t>(&amp;</a:t>
+            </a:r>
+            <a:r>
+              <a:rPr lang="en-US" dirty="0">
+                <a:solidFill>
+                  <a:srgbClr val="0033B3"/>
+                </a:solidFill>
+                <a:effectLst/>
+                <a:latin typeface="JetBrains Mono"/>
+              </a:rPr>
+              <a:t>self</a:t>
+            </a:r>
+            <a:r>
+              <a:rPr lang="en-US" dirty="0">
+                <a:solidFill>
+                  <a:srgbClr val="080808"/>
+                </a:solidFill>
+                <a:effectLst/>
+                <a:latin typeface="JetBrains Mono"/>
+              </a:rPr>
+              <a:t>, visitor: &amp;</a:t>
+            </a:r>
+            <a:r>
+              <a:rPr lang="en-US" dirty="0">
+                <a:solidFill>
+                  <a:srgbClr val="0033B3"/>
+                </a:solidFill>
+                <a:effectLst/>
+                <a:latin typeface="JetBrains Mono"/>
+              </a:rPr>
+              <a:t>mut </a:t>
+            </a:r>
+            <a:r>
+              <a:rPr lang="en-US" dirty="0" err="1">
+                <a:solidFill>
+                  <a:srgbClr val="0033B3"/>
+                </a:solidFill>
+                <a:effectLst/>
+                <a:latin typeface="JetBrains Mono"/>
+              </a:rPr>
+              <a:t>dyn</a:t>
+            </a:r>
+            <a:r>
+              <a:rPr lang="en-US" dirty="0">
+                <a:solidFill>
+                  <a:srgbClr val="0033B3"/>
+                </a:solidFill>
+                <a:effectLst/>
+                <a:latin typeface="JetBrains Mono"/>
+              </a:rPr>
+              <a:t> </a:t>
+            </a:r>
+            <a:r>
+              <a:rPr lang="en-US" dirty="0">
+                <a:solidFill>
+                  <a:srgbClr val="000000"/>
+                </a:solidFill>
+                <a:effectLst/>
+                <a:latin typeface="JetBrains Mono"/>
+              </a:rPr>
+              <a:t>Visitor</a:t>
+            </a:r>
+            <a:r>
+              <a:rPr lang="en-US" dirty="0">
+                <a:solidFill>
+                  <a:srgbClr val="080808"/>
+                </a:solidFill>
+                <a:effectLst/>
+                <a:latin typeface="JetBrains Mono"/>
+              </a:rPr>
+              <a:t>);</a:t>
+            </a:r>
+            <a:br>
+              <a:rPr lang="en-US" dirty="0">
+                <a:solidFill>
+                  <a:srgbClr val="080808"/>
+                </a:solidFill>
+                <a:effectLst/>
+                <a:latin typeface="JetBrains Mono"/>
+              </a:rPr>
+            </a:br>
+            <a:r>
+              <a:rPr lang="en-US" dirty="0">
+                <a:solidFill>
+                  <a:srgbClr val="080808"/>
+                </a:solidFill>
+                <a:effectLst/>
+                <a:latin typeface="JetBrains Mono"/>
+              </a:rPr>
+              <a:t>}</a:t>
+            </a:r>
+          </a:p>
+          <a:p>
+            <a:pPr marL="0" indent="0">
+              <a:buNone/>
+            </a:pPr>
+            <a:endParaRPr lang="en-US" dirty="0"/>
+          </a:p>
+          <a:p>
+            <a:pPr marL="0" indent="0">
+              <a:buNone/>
+            </a:pPr>
+            <a:r>
+              <a:rPr lang="en-US" dirty="0">
+                <a:solidFill>
+                  <a:srgbClr val="0033B3"/>
+                </a:solidFill>
+                <a:effectLst/>
+                <a:latin typeface="JetBrains Mono"/>
+              </a:rPr>
+              <a:t>trait </a:t>
+            </a:r>
+            <a:r>
+              <a:rPr lang="en-US" dirty="0">
+                <a:solidFill>
+                  <a:srgbClr val="000000"/>
+                </a:solidFill>
+                <a:effectLst/>
+                <a:latin typeface="JetBrains Mono"/>
+              </a:rPr>
+              <a:t>Visitor </a:t>
+            </a:r>
+            <a:r>
+              <a:rPr lang="en-US" dirty="0">
+                <a:solidFill>
+                  <a:srgbClr val="080808"/>
+                </a:solidFill>
+                <a:effectLst/>
+                <a:latin typeface="JetBrains Mono"/>
+              </a:rPr>
+              <a:t>{</a:t>
+            </a:r>
+            <a:br>
+              <a:rPr lang="en-US" dirty="0">
+                <a:solidFill>
+                  <a:srgbClr val="080808"/>
+                </a:solidFill>
+                <a:effectLst/>
+                <a:latin typeface="JetBrains Mono"/>
+              </a:rPr>
+            </a:br>
+            <a:r>
+              <a:rPr lang="en-US" dirty="0">
+                <a:solidFill>
+                  <a:srgbClr val="080808"/>
+                </a:solidFill>
+                <a:effectLst/>
+                <a:latin typeface="JetBrains Mono"/>
+              </a:rPr>
+              <a:t>    </a:t>
+            </a:r>
+            <a:r>
+              <a:rPr lang="en-US" dirty="0" err="1">
+                <a:solidFill>
+                  <a:srgbClr val="0033B3"/>
+                </a:solidFill>
+                <a:effectLst/>
+                <a:latin typeface="JetBrains Mono"/>
+              </a:rPr>
+              <a:t>fn</a:t>
+            </a:r>
+            <a:r>
+              <a:rPr lang="en-US" dirty="0">
+                <a:solidFill>
+                  <a:srgbClr val="0033B3"/>
+                </a:solidFill>
+                <a:effectLst/>
+                <a:latin typeface="JetBrains Mono"/>
+              </a:rPr>
+              <a:t> </a:t>
+            </a:r>
+            <a:r>
+              <a:rPr lang="en-US" dirty="0" err="1">
+                <a:solidFill>
+                  <a:srgbClr val="00627A"/>
+                </a:solidFill>
+                <a:effectLst/>
+                <a:latin typeface="JetBrains Mono"/>
+              </a:rPr>
+              <a:t>visit_push</a:t>
+            </a:r>
+            <a:r>
+              <a:rPr lang="en-US" dirty="0">
+                <a:solidFill>
+                  <a:srgbClr val="080808"/>
+                </a:solidFill>
+                <a:effectLst/>
+                <a:latin typeface="JetBrains Mono"/>
+              </a:rPr>
+              <a:t>(&amp;</a:t>
+            </a:r>
+            <a:r>
+              <a:rPr lang="en-US" dirty="0">
+                <a:solidFill>
+                  <a:srgbClr val="0033B3"/>
+                </a:solidFill>
+                <a:effectLst/>
+                <a:latin typeface="JetBrains Mono"/>
+              </a:rPr>
+              <a:t>mut self</a:t>
+            </a:r>
+            <a:r>
+              <a:rPr lang="en-US" dirty="0">
+                <a:solidFill>
+                  <a:srgbClr val="080808"/>
+                </a:solidFill>
+                <a:effectLst/>
+                <a:latin typeface="JetBrains Mono"/>
+              </a:rPr>
+              <a:t>, push: &amp;Push);</a:t>
+            </a:r>
+            <a:br>
+              <a:rPr lang="en-US" dirty="0">
+                <a:solidFill>
+                  <a:srgbClr val="080808"/>
+                </a:solidFill>
+                <a:effectLst/>
+                <a:latin typeface="JetBrains Mono"/>
+              </a:rPr>
+            </a:br>
+            <a:r>
+              <a:rPr lang="en-US" dirty="0">
+                <a:solidFill>
+                  <a:srgbClr val="080808"/>
+                </a:solidFill>
+                <a:effectLst/>
+                <a:latin typeface="JetBrains Mono"/>
+              </a:rPr>
+              <a:t>    </a:t>
+            </a:r>
+            <a:r>
+              <a:rPr lang="en-US" dirty="0" err="1">
+                <a:solidFill>
+                  <a:srgbClr val="0033B3"/>
+                </a:solidFill>
+                <a:effectLst/>
+                <a:latin typeface="JetBrains Mono"/>
+              </a:rPr>
+              <a:t>fn</a:t>
+            </a:r>
+            <a:r>
+              <a:rPr lang="en-US" dirty="0">
+                <a:solidFill>
+                  <a:srgbClr val="0033B3"/>
+                </a:solidFill>
+                <a:effectLst/>
+                <a:latin typeface="JetBrains Mono"/>
+              </a:rPr>
+              <a:t> </a:t>
+            </a:r>
+            <a:r>
+              <a:rPr lang="en-US" dirty="0" err="1">
+                <a:solidFill>
+                  <a:srgbClr val="00627A"/>
+                </a:solidFill>
+                <a:effectLst/>
+                <a:latin typeface="JetBrains Mono"/>
+              </a:rPr>
+              <a:t>visit_exec</a:t>
+            </a:r>
+            <a:r>
+              <a:rPr lang="en-US" dirty="0">
+                <a:solidFill>
+                  <a:srgbClr val="080808"/>
+                </a:solidFill>
+                <a:effectLst/>
+                <a:latin typeface="JetBrains Mono"/>
+              </a:rPr>
+              <a:t>(&amp;</a:t>
+            </a:r>
+            <a:r>
+              <a:rPr lang="en-US" dirty="0">
+                <a:solidFill>
+                  <a:srgbClr val="0033B3"/>
+                </a:solidFill>
+                <a:effectLst/>
+                <a:latin typeface="JetBrains Mono"/>
+              </a:rPr>
+              <a:t>mut self</a:t>
+            </a:r>
+            <a:r>
+              <a:rPr lang="en-US" dirty="0">
+                <a:solidFill>
+                  <a:srgbClr val="080808"/>
+                </a:solidFill>
+                <a:effectLst/>
+                <a:latin typeface="JetBrains Mono"/>
+              </a:rPr>
+              <a:t>, exec: &amp;Exec);</a:t>
+            </a:r>
+            <a:br>
+              <a:rPr lang="en-US" dirty="0">
+                <a:solidFill>
+                  <a:srgbClr val="080808"/>
+                </a:solidFill>
+                <a:effectLst/>
+                <a:latin typeface="JetBrains Mono"/>
+              </a:rPr>
+            </a:br>
+            <a:r>
+              <a:rPr lang="en-US" dirty="0">
+                <a:solidFill>
+                  <a:srgbClr val="080808"/>
+                </a:solidFill>
+                <a:effectLst/>
+                <a:latin typeface="JetBrains Mono"/>
+              </a:rPr>
+              <a:t>}</a:t>
+            </a:r>
+          </a:p>
+          <a:p>
+            <a:pPr marL="0" indent="0">
+              <a:buNone/>
+            </a:pPr>
+            <a:endParaRPr lang="en-US" dirty="0"/>
+          </a:p>
+        </p:txBody>
+      </p:sp>
+    </p:spTree>
+    <p:extLst>
+      <p:ext uri="{BB962C8B-B14F-4D97-AF65-F5344CB8AC3E}">
+        <p14:creationId xmlns:p14="http://schemas.microsoft.com/office/powerpoint/2010/main" val="1673823403"/>
+      </p:ext>
+    </p:extLst>
+  </p:cSld>
+  <p:clrMapOvr>
+    <a:masterClrMapping/>
+  </p:clrMapOvr>
+</p:sld>
+</file>
+
+<file path=ppt/slides/slide49.xml><?xml version="1.0" encoding="utf-8"?>
+<p:sld xmlns:a="http://schemas.openxmlformats.org/drawingml/2006/main" xmlns:r="http://schemas.openxmlformats.org/officeDocument/2006/relationships" xmlns:p="http://schemas.openxmlformats.org/presentationml/2006/main">
+  <p:cSld>
+    <p:spTree>
+      <p:nvGrpSpPr>
+        <p:cNvPr id="1" name=""/>
+        <p:cNvGrpSpPr/>
+        <p:nvPr/>
+      </p:nvGrpSpPr>
+      <p:grpSpPr>
+        <a:xfrm>
+          <a:off x="0" y="0"/>
+          <a:ext cx="0" cy="0"/>
+          <a:chOff x="0" y="0"/>
+          <a:chExt cx="0" cy="0"/>
+        </a:xfrm>
+      </p:grpSpPr>
+      <p:sp>
+        <p:nvSpPr>
+          <p:cNvPr id="2" name="Title 1">
+            <a:extLst>
+              <a:ext uri="{FF2B5EF4-FFF2-40B4-BE49-F238E27FC236}">
+                <a16:creationId xmlns:a16="http://schemas.microsoft.com/office/drawing/2014/main" id="{93B1E943-EC52-B3B7-DCBC-936994741E6F}"/>
+              </a:ext>
+            </a:extLst>
+          </p:cNvPr>
+          <p:cNvSpPr>
+            <a:spLocks noGrp="1"/>
+          </p:cNvSpPr>
+          <p:nvPr>
+            <p:ph type="title"/>
+          </p:nvPr>
+        </p:nvSpPr>
+        <p:spPr/>
+        <p:txBody>
+          <a:bodyPr/>
+          <a:lstStyle/>
+          <a:p>
+            <a:r>
+              <a:rPr lang="en-US" dirty="0"/>
+              <a:t>Homework</a:t>
+            </a:r>
+            <a:endParaRPr lang="ru-RU" dirty="0"/>
+          </a:p>
+        </p:txBody>
+      </p:sp>
+      <p:sp>
+        <p:nvSpPr>
+          <p:cNvPr id="3" name="Content Placeholder 2">
+            <a:extLst>
+              <a:ext uri="{FF2B5EF4-FFF2-40B4-BE49-F238E27FC236}">
+                <a16:creationId xmlns:a16="http://schemas.microsoft.com/office/drawing/2014/main" id="{EB0F5651-195C-CD18-20A3-49813A377D33}"/>
               </a:ext>
             </a:extLst>
           </p:cNvPr>
@@ -38968,23 +39857,349 @@
           <a:bodyPr/>
           <a:lstStyle/>
           <a:p>
-            <a:r>
-              <a:rPr lang="en-US" dirty="0"/>
-              <a:t>TBD</a:t>
+            <a:pPr marL="0" indent="0">
+              <a:buNone/>
+            </a:pPr>
+            <a:r>
+              <a:rPr lang="en-US" dirty="0">
+                <a:solidFill>
+                  <a:srgbClr val="0033B3"/>
+                </a:solidFill>
+                <a:effectLst/>
+                <a:latin typeface="JetBrains Mono"/>
+              </a:rPr>
+              <a:t>let </a:t>
+            </a:r>
+            <a:r>
+              <a:rPr lang="en-US" dirty="0">
+                <a:solidFill>
+                  <a:srgbClr val="000000"/>
+                </a:solidFill>
+                <a:effectLst/>
+                <a:latin typeface="JetBrains Mono"/>
+              </a:rPr>
+              <a:t>tokens </a:t>
+            </a:r>
+            <a:r>
+              <a:rPr lang="en-US" dirty="0">
+                <a:solidFill>
+                  <a:srgbClr val="080808"/>
+                </a:solidFill>
+                <a:effectLst/>
+                <a:latin typeface="JetBrains Mono"/>
+              </a:rPr>
+              <a:t>= </a:t>
+            </a:r>
+            <a:r>
+              <a:rPr lang="en-US" dirty="0" err="1">
+                <a:solidFill>
+                  <a:srgbClr val="DD6718"/>
+                </a:solidFill>
+                <a:effectLst/>
+                <a:latin typeface="JetBrains Mono"/>
+              </a:rPr>
+              <a:t>vec</a:t>
+            </a:r>
+            <a:r>
+              <a:rPr lang="en-US" dirty="0">
+                <a:solidFill>
+                  <a:srgbClr val="DD6718"/>
+                </a:solidFill>
+                <a:effectLst/>
+                <a:latin typeface="JetBrains Mono"/>
+              </a:rPr>
+              <a:t>!</a:t>
+            </a:r>
+            <a:r>
+              <a:rPr lang="en-US" dirty="0">
+                <a:solidFill>
+                  <a:srgbClr val="080808"/>
+                </a:solidFill>
+                <a:effectLst/>
+                <a:latin typeface="JetBrains Mono"/>
+              </a:rPr>
+              <a:t>[</a:t>
+            </a:r>
+            <a:br>
+              <a:rPr lang="en-US" dirty="0">
+                <a:solidFill>
+                  <a:srgbClr val="080808"/>
+                </a:solidFill>
+                <a:effectLst/>
+                <a:latin typeface="JetBrains Mono"/>
+              </a:rPr>
+            </a:br>
+            <a:r>
+              <a:rPr lang="en-US" dirty="0">
+                <a:solidFill>
+                  <a:srgbClr val="080808"/>
+                </a:solidFill>
+                <a:effectLst/>
+                <a:latin typeface="JetBrains Mono"/>
+              </a:rPr>
+              <a:t>    Push::new(</a:t>
+            </a:r>
+            <a:r>
+              <a:rPr lang="en-US" dirty="0">
+                <a:solidFill>
+                  <a:srgbClr val="1750EB"/>
+                </a:solidFill>
+                <a:effectLst/>
+                <a:latin typeface="JetBrains Mono"/>
+              </a:rPr>
+              <a:t>20</a:t>
+            </a:r>
+            <a:r>
+              <a:rPr lang="en-US" dirty="0">
+                <a:solidFill>
+                  <a:srgbClr val="080808"/>
+                </a:solidFill>
+                <a:effectLst/>
+                <a:latin typeface="JetBrains Mono"/>
+              </a:rPr>
+              <a:t>),</a:t>
+            </a:r>
+            <a:br>
+              <a:rPr lang="en-US" dirty="0">
+                <a:solidFill>
+                  <a:srgbClr val="080808"/>
+                </a:solidFill>
+                <a:effectLst/>
+                <a:latin typeface="JetBrains Mono"/>
+              </a:rPr>
+            </a:br>
+            <a:r>
+              <a:rPr lang="en-US" dirty="0">
+                <a:solidFill>
+                  <a:srgbClr val="080808"/>
+                </a:solidFill>
+                <a:effectLst/>
+                <a:latin typeface="JetBrains Mono"/>
+              </a:rPr>
+              <a:t>    Push::new(</a:t>
+            </a:r>
+            <a:r>
+              <a:rPr lang="en-US" dirty="0">
+                <a:solidFill>
+                  <a:srgbClr val="1750EB"/>
+                </a:solidFill>
+                <a:effectLst/>
+                <a:latin typeface="JetBrains Mono"/>
+              </a:rPr>
+              <a:t>22</a:t>
+            </a:r>
+            <a:r>
+              <a:rPr lang="en-US" dirty="0">
+                <a:solidFill>
+                  <a:srgbClr val="080808"/>
+                </a:solidFill>
+                <a:effectLst/>
+                <a:latin typeface="JetBrains Mono"/>
+              </a:rPr>
+              <a:t>),</a:t>
+            </a:r>
+            <a:br>
+              <a:rPr lang="en-US" dirty="0">
+                <a:solidFill>
+                  <a:srgbClr val="080808"/>
+                </a:solidFill>
+                <a:effectLst/>
+                <a:latin typeface="JetBrains Mono"/>
+              </a:rPr>
+            </a:br>
+            <a:r>
+              <a:rPr lang="en-US" dirty="0">
+                <a:solidFill>
+                  <a:srgbClr val="080808"/>
+                </a:solidFill>
+                <a:effectLst/>
+                <a:latin typeface="JetBrains Mono"/>
+              </a:rPr>
+              <a:t>    Exec::new(</a:t>
+            </a:r>
+            <a:r>
+              <a:rPr lang="en-US" dirty="0">
+                <a:solidFill>
+                  <a:srgbClr val="000000"/>
+                </a:solidFill>
+                <a:effectLst/>
+                <a:latin typeface="JetBrains Mono"/>
+              </a:rPr>
+              <a:t>String</a:t>
+            </a:r>
+            <a:r>
+              <a:rPr lang="en-US" dirty="0">
+                <a:solidFill>
+                  <a:srgbClr val="080808"/>
+                </a:solidFill>
+                <a:effectLst/>
+                <a:latin typeface="JetBrains Mono"/>
+              </a:rPr>
+              <a:t>::</a:t>
+            </a:r>
+            <a:r>
+              <a:rPr lang="en-US" i="1" dirty="0">
+                <a:solidFill>
+                  <a:srgbClr val="00627A"/>
+                </a:solidFill>
+                <a:effectLst/>
+                <a:latin typeface="JetBrains Mono"/>
+              </a:rPr>
+              <a:t>from</a:t>
+            </a:r>
+            <a:r>
+              <a:rPr lang="en-US" dirty="0">
+                <a:solidFill>
+                  <a:srgbClr val="080808"/>
+                </a:solidFill>
+                <a:effectLst/>
+                <a:latin typeface="JetBrains Mono"/>
+              </a:rPr>
+              <a:t>(</a:t>
+            </a:r>
+            <a:r>
+              <a:rPr lang="en-US" dirty="0">
+                <a:solidFill>
+                  <a:srgbClr val="067D17"/>
+                </a:solidFill>
+                <a:effectLst/>
+                <a:latin typeface="JetBrains Mono"/>
+              </a:rPr>
+              <a:t>"</a:t>
+            </a:r>
+            <a:r>
+              <a:rPr lang="en-US" dirty="0" err="1">
+                <a:solidFill>
+                  <a:srgbClr val="067D17"/>
+                </a:solidFill>
+                <a:effectLst/>
+                <a:latin typeface="JetBrains Mono"/>
+              </a:rPr>
+              <a:t>Summ</a:t>
+            </a:r>
+            <a:r>
+              <a:rPr lang="en-US" dirty="0">
+                <a:solidFill>
+                  <a:srgbClr val="067D17"/>
+                </a:solidFill>
+                <a:effectLst/>
+                <a:latin typeface="JetBrains Mono"/>
+              </a:rPr>
+              <a:t>"</a:t>
+            </a:r>
+            <a:r>
+              <a:rPr lang="en-US" dirty="0">
+                <a:solidFill>
+                  <a:srgbClr val="080808"/>
+                </a:solidFill>
+                <a:effectLst/>
+                <a:latin typeface="JetBrains Mono"/>
+              </a:rPr>
+              <a:t>)),</a:t>
+            </a:r>
+            <a:br>
+              <a:rPr lang="en-US" dirty="0">
+                <a:solidFill>
+                  <a:srgbClr val="080808"/>
+                </a:solidFill>
+                <a:effectLst/>
+                <a:latin typeface="JetBrains Mono"/>
+              </a:rPr>
+            </a:br>
+            <a:r>
+              <a:rPr lang="en-US" dirty="0">
+                <a:solidFill>
+                  <a:srgbClr val="080808"/>
+                </a:solidFill>
+                <a:effectLst/>
+                <a:latin typeface="JetBrains Mono"/>
+              </a:rPr>
+              <a:t>    Exec::new(</a:t>
+            </a:r>
+            <a:r>
+              <a:rPr lang="en-US" dirty="0">
+                <a:solidFill>
+                  <a:srgbClr val="000000"/>
+                </a:solidFill>
+                <a:effectLst/>
+                <a:latin typeface="JetBrains Mono"/>
+              </a:rPr>
+              <a:t>String</a:t>
+            </a:r>
+            <a:r>
+              <a:rPr lang="en-US" dirty="0">
+                <a:solidFill>
+                  <a:srgbClr val="080808"/>
+                </a:solidFill>
+                <a:effectLst/>
+                <a:latin typeface="JetBrains Mono"/>
+              </a:rPr>
+              <a:t>::</a:t>
+            </a:r>
+            <a:r>
+              <a:rPr lang="en-US" i="1" dirty="0">
+                <a:solidFill>
+                  <a:srgbClr val="00627A"/>
+                </a:solidFill>
+                <a:effectLst/>
+                <a:latin typeface="JetBrains Mono"/>
+              </a:rPr>
+              <a:t>from</a:t>
+            </a:r>
+            <a:r>
+              <a:rPr lang="en-US" dirty="0">
+                <a:solidFill>
+                  <a:srgbClr val="080808"/>
+                </a:solidFill>
+                <a:effectLst/>
+                <a:latin typeface="JetBrains Mono"/>
+              </a:rPr>
+              <a:t>(</a:t>
+            </a:r>
+            <a:r>
+              <a:rPr lang="en-US" dirty="0">
+                <a:solidFill>
+                  <a:srgbClr val="067D17"/>
+                </a:solidFill>
+                <a:effectLst/>
+                <a:latin typeface="JetBrains Mono"/>
+              </a:rPr>
+              <a:t>"Print"</a:t>
+            </a:r>
+            <a:r>
+              <a:rPr lang="en-US" dirty="0">
+                <a:solidFill>
+                  <a:srgbClr val="080808"/>
+                </a:solidFill>
+                <a:effectLst/>
+                <a:latin typeface="JetBrains Mono"/>
+              </a:rPr>
+              <a:t>)),</a:t>
+            </a:r>
+            <a:br>
+              <a:rPr lang="en-US" dirty="0">
+                <a:solidFill>
+                  <a:srgbClr val="080808"/>
+                </a:solidFill>
+                <a:effectLst/>
+                <a:latin typeface="JetBrains Mono"/>
+              </a:rPr>
+            </a:br>
+            <a:r>
+              <a:rPr lang="en-US" dirty="0">
+                <a:solidFill>
+                  <a:srgbClr val="080808"/>
+                </a:solidFill>
+                <a:effectLst/>
+                <a:latin typeface="JetBrains Mono"/>
+              </a:rPr>
+              <a:t>];</a:t>
             </a:r>
           </a:p>
           <a:p>
-            <a:r>
-              <a:rPr lang="en-US" dirty="0"/>
-              <a:t>Rustlings:</a:t>
-            </a:r>
-          </a:p>
-          <a:p>
-            <a:pPr lvl="1"/>
-            <a:r>
-              <a:rPr lang="en-US" dirty="0"/>
-              <a:t>modules</a:t>
-            </a:r>
+            <a:pPr marL="0" indent="0">
+              <a:buNone/>
+            </a:pPr>
             <a:endParaRPr lang="ru-RU" dirty="0"/>
           </a:p>
         </p:txBody>
@@ -38992,7 +40207,7 @@
     </p:spTree>
     <p:extLst>
       <p:ext uri="{BB962C8B-B14F-4D97-AF65-F5344CB8AC3E}">
-        <p14:creationId xmlns:p14="http://schemas.microsoft.com/office/powerpoint/2010/main" val="1237145490"/>
+        <p14:creationId xmlns:p14="http://schemas.microsoft.com/office/powerpoint/2010/main" val="1218210939"/>
       </p:ext>
     </p:extLst>
   </p:cSld>
@@ -39971,6 +41186,1463 @@
       </p:par>
     </p:tnLst>
   </p:timing>
+</p:sld>
+</file>
+
+<file path=ppt/slides/slide50.xml><?xml version="1.0" encoding="utf-8"?>
+<p:sld xmlns:a="http://schemas.openxmlformats.org/drawingml/2006/main" xmlns:r="http://schemas.openxmlformats.org/officeDocument/2006/relationships" xmlns:p="http://schemas.openxmlformats.org/presentationml/2006/main">
+  <p:cSld>
+    <p:spTree>
+      <p:nvGrpSpPr>
+        <p:cNvPr id="1" name=""/>
+        <p:cNvGrpSpPr/>
+        <p:nvPr/>
+      </p:nvGrpSpPr>
+      <p:grpSpPr>
+        <a:xfrm>
+          <a:off x="0" y="0"/>
+          <a:ext cx="0" cy="0"/>
+          <a:chOff x="0" y="0"/>
+          <a:chExt cx="0" cy="0"/>
+        </a:xfrm>
+      </p:grpSpPr>
+      <p:sp>
+        <p:nvSpPr>
+          <p:cNvPr id="2" name="Title 1">
+            <a:extLst>
+              <a:ext uri="{FF2B5EF4-FFF2-40B4-BE49-F238E27FC236}">
+                <a16:creationId xmlns:a16="http://schemas.microsoft.com/office/drawing/2014/main" id="{19F3B416-2C64-9C59-C211-D201B50F196C}"/>
+              </a:ext>
+            </a:extLst>
+          </p:cNvPr>
+          <p:cNvSpPr>
+            <a:spLocks noGrp="1"/>
+          </p:cNvSpPr>
+          <p:nvPr>
+            <p:ph type="title"/>
+          </p:nvPr>
+        </p:nvSpPr>
+        <p:spPr/>
+        <p:txBody>
+          <a:bodyPr/>
+          <a:lstStyle/>
+          <a:p>
+            <a:r>
+              <a:rPr lang="en-US" dirty="0"/>
+              <a:t>Homework</a:t>
+            </a:r>
+            <a:endParaRPr lang="ru-RU" dirty="0"/>
+          </a:p>
+        </p:txBody>
+      </p:sp>
+      <p:sp>
+        <p:nvSpPr>
+          <p:cNvPr id="3" name="Content Placeholder 2">
+            <a:extLst>
+              <a:ext uri="{FF2B5EF4-FFF2-40B4-BE49-F238E27FC236}">
+                <a16:creationId xmlns:a16="http://schemas.microsoft.com/office/drawing/2014/main" id="{11B3F707-DBC8-D0C2-25F0-1B5B091FBBEE}"/>
+              </a:ext>
+            </a:extLst>
+          </p:cNvPr>
+          <p:cNvSpPr>
+            <a:spLocks noGrp="1"/>
+          </p:cNvSpPr>
+          <p:nvPr>
+            <p:ph idx="1"/>
+          </p:nvPr>
+        </p:nvSpPr>
+        <p:spPr/>
+        <p:txBody>
+          <a:bodyPr/>
+          <a:lstStyle/>
+          <a:p>
+            <a:pPr marL="0" indent="0">
+              <a:buNone/>
+            </a:pPr>
+            <a:r>
+              <a:rPr lang="en-US" dirty="0">
+                <a:solidFill>
+                  <a:srgbClr val="0033B3"/>
+                </a:solidFill>
+                <a:effectLst/>
+                <a:latin typeface="JetBrains Mono"/>
+              </a:rPr>
+              <a:t>let mut </a:t>
+            </a:r>
+            <a:r>
+              <a:rPr lang="en-US" dirty="0" err="1">
+                <a:solidFill>
+                  <a:srgbClr val="000000"/>
+                </a:solidFill>
+                <a:effectLst/>
+                <a:latin typeface="JetBrains Mono"/>
+              </a:rPr>
+              <a:t>deserialization_visitor</a:t>
+            </a:r>
+            <a:r>
+              <a:rPr lang="en-US" dirty="0">
+                <a:solidFill>
+                  <a:srgbClr val="000000"/>
+                </a:solidFill>
+                <a:effectLst/>
+                <a:latin typeface="JetBrains Mono"/>
+              </a:rPr>
+              <a:t> </a:t>
+            </a:r>
+            <a:r>
+              <a:rPr lang="en-US" dirty="0">
+                <a:solidFill>
+                  <a:srgbClr val="080808"/>
+                </a:solidFill>
+                <a:effectLst/>
+                <a:latin typeface="JetBrains Mono"/>
+              </a:rPr>
+              <a:t>= </a:t>
+            </a:r>
+            <a:r>
+              <a:rPr lang="en-US" dirty="0" err="1">
+                <a:solidFill>
+                  <a:srgbClr val="080808"/>
+                </a:solidFill>
+                <a:effectLst/>
+                <a:latin typeface="JetBrains Mono"/>
+              </a:rPr>
+              <a:t>DeserializationVisitor</a:t>
+            </a:r>
+            <a:r>
+              <a:rPr lang="en-US" dirty="0">
+                <a:solidFill>
+                  <a:srgbClr val="080808"/>
+                </a:solidFill>
+                <a:effectLst/>
+                <a:latin typeface="JetBrains Mono"/>
+              </a:rPr>
+              <a:t>::new();</a:t>
+            </a:r>
+            <a:br>
+              <a:rPr lang="en-US" dirty="0">
+                <a:solidFill>
+                  <a:srgbClr val="080808"/>
+                </a:solidFill>
+                <a:effectLst/>
+                <a:latin typeface="JetBrains Mono"/>
+              </a:rPr>
+            </a:br>
+            <a:r>
+              <a:rPr lang="en-US" dirty="0">
+                <a:solidFill>
+                  <a:srgbClr val="0033B3"/>
+                </a:solidFill>
+                <a:effectLst/>
+                <a:latin typeface="JetBrains Mono"/>
+              </a:rPr>
+              <a:t>for </a:t>
+            </a:r>
+            <a:r>
+              <a:rPr lang="en-US" dirty="0">
+                <a:solidFill>
+                  <a:srgbClr val="000000"/>
+                </a:solidFill>
+                <a:effectLst/>
+                <a:latin typeface="JetBrains Mono"/>
+              </a:rPr>
+              <a:t>token </a:t>
+            </a:r>
+            <a:r>
+              <a:rPr lang="en-US" dirty="0">
+                <a:solidFill>
+                  <a:srgbClr val="0033B3"/>
+                </a:solidFill>
+                <a:effectLst/>
+                <a:latin typeface="JetBrains Mono"/>
+              </a:rPr>
+              <a:t>in </a:t>
+            </a:r>
+            <a:r>
+              <a:rPr lang="en-US" dirty="0">
+                <a:solidFill>
+                  <a:srgbClr val="080808"/>
+                </a:solidFill>
+                <a:effectLst/>
+                <a:latin typeface="JetBrains Mono"/>
+              </a:rPr>
+              <a:t>&amp;</a:t>
+            </a:r>
+            <a:r>
+              <a:rPr lang="en-US" dirty="0">
+                <a:solidFill>
+                  <a:srgbClr val="000000"/>
+                </a:solidFill>
+                <a:effectLst/>
+                <a:latin typeface="JetBrains Mono"/>
+              </a:rPr>
+              <a:t>tokens </a:t>
+            </a:r>
+            <a:r>
+              <a:rPr lang="en-US" dirty="0">
+                <a:solidFill>
+                  <a:srgbClr val="080808"/>
+                </a:solidFill>
+                <a:effectLst/>
+                <a:latin typeface="JetBrains Mono"/>
+              </a:rPr>
+              <a:t>{</a:t>
+            </a:r>
+            <a:br>
+              <a:rPr lang="en-US" dirty="0">
+                <a:solidFill>
+                  <a:srgbClr val="080808"/>
+                </a:solidFill>
+                <a:effectLst/>
+                <a:latin typeface="JetBrains Mono"/>
+              </a:rPr>
+            </a:br>
+            <a:r>
+              <a:rPr lang="en-US" dirty="0">
+                <a:solidFill>
+                  <a:srgbClr val="080808"/>
+                </a:solidFill>
+                <a:effectLst/>
+                <a:latin typeface="JetBrains Mono"/>
+              </a:rPr>
+              <a:t>    </a:t>
+            </a:r>
+            <a:r>
+              <a:rPr lang="en-US" i="1" dirty="0">
+                <a:solidFill>
+                  <a:srgbClr val="8C8C8C"/>
+                </a:solidFill>
+                <a:effectLst/>
+                <a:latin typeface="JetBrains Mono"/>
+              </a:rPr>
+              <a:t>// token is Statement</a:t>
+            </a:r>
+            <a:br>
+              <a:rPr lang="en-US" i="1" dirty="0">
+                <a:solidFill>
+                  <a:srgbClr val="8C8C8C"/>
+                </a:solidFill>
+                <a:effectLst/>
+                <a:latin typeface="JetBrains Mono"/>
+              </a:rPr>
+            </a:br>
+            <a:r>
+              <a:rPr lang="en-US" i="1" dirty="0">
+                <a:solidFill>
+                  <a:srgbClr val="8C8C8C"/>
+                </a:solidFill>
+                <a:effectLst/>
+                <a:latin typeface="JetBrains Mono"/>
+              </a:rPr>
+              <a:t>    </a:t>
+            </a:r>
+            <a:r>
+              <a:rPr lang="en-US" dirty="0" err="1">
+                <a:solidFill>
+                  <a:srgbClr val="000000"/>
+                </a:solidFill>
+                <a:effectLst/>
+                <a:latin typeface="JetBrains Mono"/>
+              </a:rPr>
+              <a:t>token</a:t>
+            </a:r>
+            <a:r>
+              <a:rPr lang="en-US" dirty="0" err="1">
+                <a:solidFill>
+                  <a:srgbClr val="080808"/>
+                </a:solidFill>
+                <a:effectLst/>
+                <a:latin typeface="JetBrains Mono"/>
+              </a:rPr>
+              <a:t>.accept</a:t>
+            </a:r>
+            <a:r>
+              <a:rPr lang="en-US" dirty="0">
+                <a:solidFill>
+                  <a:srgbClr val="080808"/>
+                </a:solidFill>
+                <a:effectLst/>
+                <a:latin typeface="JetBrains Mono"/>
+              </a:rPr>
+              <a:t>(&amp;</a:t>
+            </a:r>
+            <a:r>
+              <a:rPr lang="en-US" dirty="0">
+                <a:solidFill>
+                  <a:srgbClr val="0033B3"/>
+                </a:solidFill>
+                <a:effectLst/>
+                <a:latin typeface="JetBrains Mono"/>
+              </a:rPr>
+              <a:t>mut </a:t>
+            </a:r>
+            <a:r>
+              <a:rPr lang="en-US" dirty="0" err="1">
+                <a:solidFill>
+                  <a:srgbClr val="000000"/>
+                </a:solidFill>
+                <a:effectLst/>
+                <a:latin typeface="JetBrains Mono"/>
+              </a:rPr>
+              <a:t>deserialization_visitor</a:t>
+            </a:r>
+            <a:r>
+              <a:rPr lang="en-US" dirty="0">
+                <a:solidFill>
+                  <a:srgbClr val="080808"/>
+                </a:solidFill>
+                <a:effectLst/>
+                <a:latin typeface="JetBrains Mono"/>
+              </a:rPr>
+              <a:t>)</a:t>
+            </a:r>
+            <a:br>
+              <a:rPr lang="en-US" dirty="0">
+                <a:solidFill>
+                  <a:srgbClr val="080808"/>
+                </a:solidFill>
+                <a:effectLst/>
+                <a:latin typeface="JetBrains Mono"/>
+              </a:rPr>
+            </a:br>
+            <a:r>
+              <a:rPr lang="en-US" dirty="0">
+                <a:solidFill>
+                  <a:srgbClr val="080808"/>
+                </a:solidFill>
+                <a:effectLst/>
+                <a:latin typeface="JetBrains Mono"/>
+              </a:rPr>
+              <a:t>}</a:t>
+            </a:r>
+            <a:br>
+              <a:rPr lang="en-US" dirty="0">
+                <a:solidFill>
+                  <a:srgbClr val="080808"/>
+                </a:solidFill>
+                <a:effectLst/>
+                <a:latin typeface="JetBrains Mono"/>
+              </a:rPr>
+            </a:br>
+            <a:r>
+              <a:rPr lang="en-US" dirty="0">
+                <a:solidFill>
+                  <a:srgbClr val="0033B3"/>
+                </a:solidFill>
+                <a:effectLst/>
+                <a:latin typeface="JetBrains Mono"/>
+              </a:rPr>
+              <a:t>let </a:t>
+            </a:r>
+            <a:r>
+              <a:rPr lang="en-US" dirty="0" err="1">
+                <a:solidFill>
+                  <a:srgbClr val="000000"/>
+                </a:solidFill>
+                <a:effectLst/>
+                <a:latin typeface="JetBrains Mono"/>
+              </a:rPr>
+              <a:t>source_code</a:t>
+            </a:r>
+            <a:r>
+              <a:rPr lang="en-US" dirty="0">
+                <a:solidFill>
+                  <a:srgbClr val="080808"/>
+                </a:solidFill>
+                <a:effectLst/>
+                <a:latin typeface="JetBrains Mono"/>
+              </a:rPr>
+              <a:t>: </a:t>
+            </a:r>
+            <a:r>
+              <a:rPr lang="en-US" dirty="0">
+                <a:solidFill>
+                  <a:srgbClr val="000000"/>
+                </a:solidFill>
+                <a:effectLst/>
+                <a:latin typeface="JetBrains Mono"/>
+              </a:rPr>
+              <a:t>String </a:t>
+            </a:r>
+            <a:r>
+              <a:rPr lang="en-US" dirty="0">
+                <a:solidFill>
+                  <a:srgbClr val="080808"/>
+                </a:solidFill>
+                <a:effectLst/>
+                <a:latin typeface="JetBrains Mono"/>
+              </a:rPr>
+              <a:t>= </a:t>
+            </a:r>
+            <a:r>
+              <a:rPr lang="en-US" dirty="0" err="1">
+                <a:solidFill>
+                  <a:srgbClr val="000000"/>
+                </a:solidFill>
+                <a:effectLst/>
+                <a:latin typeface="JetBrains Mono"/>
+              </a:rPr>
+              <a:t>deserialization_visitor</a:t>
+            </a:r>
+            <a:r>
+              <a:rPr lang="en-US" dirty="0" err="1">
+                <a:solidFill>
+                  <a:srgbClr val="080808"/>
+                </a:solidFill>
+                <a:effectLst/>
+                <a:latin typeface="JetBrains Mono"/>
+              </a:rPr>
+              <a:t>.extract_source_code</a:t>
+            </a:r>
+            <a:r>
+              <a:rPr lang="en-US" dirty="0">
+                <a:solidFill>
+                  <a:srgbClr val="080808"/>
+                </a:solidFill>
+                <a:effectLst/>
+                <a:latin typeface="JetBrains Mono"/>
+              </a:rPr>
+              <a:t>();</a:t>
+            </a:r>
+            <a:br>
+              <a:rPr lang="en-US" dirty="0">
+                <a:solidFill>
+                  <a:srgbClr val="080808"/>
+                </a:solidFill>
+                <a:effectLst/>
+                <a:latin typeface="JetBrains Mono"/>
+              </a:rPr>
+            </a:br>
+            <a:r>
+              <a:rPr lang="en-US" dirty="0" err="1">
+                <a:solidFill>
+                  <a:srgbClr val="DD6718"/>
+                </a:solidFill>
+                <a:effectLst/>
+                <a:latin typeface="JetBrains Mono"/>
+              </a:rPr>
+              <a:t>assert_eq</a:t>
+            </a:r>
+            <a:r>
+              <a:rPr lang="en-US" dirty="0">
+                <a:solidFill>
+                  <a:srgbClr val="DD6718"/>
+                </a:solidFill>
+                <a:effectLst/>
+                <a:latin typeface="JetBrains Mono"/>
+              </a:rPr>
+              <a:t>!</a:t>
+            </a:r>
+            <a:r>
+              <a:rPr lang="en-US" dirty="0">
+                <a:solidFill>
+                  <a:srgbClr val="080808"/>
+                </a:solidFill>
+                <a:effectLst/>
+                <a:latin typeface="JetBrains Mono"/>
+              </a:rPr>
+              <a:t>(</a:t>
+            </a:r>
+            <a:r>
+              <a:rPr lang="en-US" dirty="0" err="1">
+                <a:solidFill>
+                  <a:srgbClr val="000000"/>
+                </a:solidFill>
+                <a:effectLst/>
+                <a:latin typeface="JetBrains Mono"/>
+              </a:rPr>
+              <a:t>source_code</a:t>
+            </a:r>
+            <a:r>
+              <a:rPr lang="en-US" dirty="0">
+                <a:solidFill>
+                  <a:srgbClr val="080808"/>
+                </a:solidFill>
+                <a:effectLst/>
+                <a:latin typeface="JetBrains Mono"/>
+              </a:rPr>
+              <a:t>, </a:t>
+            </a:r>
+            <a:r>
+              <a:rPr lang="en-US" dirty="0">
+                <a:solidFill>
+                  <a:srgbClr val="000000"/>
+                </a:solidFill>
+                <a:effectLst/>
+                <a:latin typeface="JetBrains Mono"/>
+              </a:rPr>
+              <a:t>String</a:t>
+            </a:r>
+            <a:r>
+              <a:rPr lang="en-US" dirty="0">
+                <a:solidFill>
+                  <a:srgbClr val="080808"/>
+                </a:solidFill>
+                <a:effectLst/>
+                <a:latin typeface="JetBrains Mono"/>
+              </a:rPr>
+              <a:t>::</a:t>
+            </a:r>
+            <a:r>
+              <a:rPr lang="en-US" i="1" dirty="0">
+                <a:solidFill>
+                  <a:srgbClr val="00627A"/>
+                </a:solidFill>
+                <a:effectLst/>
+                <a:latin typeface="JetBrains Mono"/>
+              </a:rPr>
+              <a:t>from</a:t>
+            </a:r>
+            <a:r>
+              <a:rPr lang="en-US" dirty="0">
+                <a:solidFill>
+                  <a:srgbClr val="080808"/>
+                </a:solidFill>
+                <a:effectLst/>
+                <a:latin typeface="JetBrains Mono"/>
+              </a:rPr>
+              <a:t>(</a:t>
+            </a:r>
+            <a:r>
+              <a:rPr lang="en-US" dirty="0">
+                <a:solidFill>
+                  <a:srgbClr val="067D17"/>
+                </a:solidFill>
+                <a:effectLst/>
+                <a:latin typeface="JetBrains Mono"/>
+              </a:rPr>
+              <a:t>"push 20</a:t>
+            </a:r>
+            <a:r>
+              <a:rPr lang="en-US" dirty="0">
+                <a:solidFill>
+                  <a:srgbClr val="0037A6"/>
+                </a:solidFill>
+                <a:effectLst/>
+                <a:latin typeface="JetBrains Mono"/>
+              </a:rPr>
+              <a:t>\</a:t>
+            </a:r>
+            <a:r>
+              <a:rPr lang="en-US" dirty="0" err="1">
+                <a:solidFill>
+                  <a:srgbClr val="0037A6"/>
+                </a:solidFill>
+                <a:effectLst/>
+                <a:latin typeface="JetBrains Mono"/>
+              </a:rPr>
+              <a:t>n</a:t>
+            </a:r>
+            <a:r>
+              <a:rPr lang="en-US" dirty="0" err="1">
+                <a:solidFill>
+                  <a:srgbClr val="067D17"/>
+                </a:solidFill>
+                <a:effectLst/>
+                <a:latin typeface="JetBrains Mono"/>
+              </a:rPr>
+              <a:t>push</a:t>
+            </a:r>
+            <a:r>
+              <a:rPr lang="en-US" dirty="0">
+                <a:solidFill>
+                  <a:srgbClr val="067D17"/>
+                </a:solidFill>
+                <a:effectLst/>
+                <a:latin typeface="JetBrains Mono"/>
+              </a:rPr>
+              <a:t> 22</a:t>
+            </a:r>
+            <a:r>
+              <a:rPr lang="en-US" dirty="0">
+                <a:solidFill>
+                  <a:srgbClr val="0037A6"/>
+                </a:solidFill>
+                <a:effectLst/>
+                <a:latin typeface="JetBrains Mono"/>
+              </a:rPr>
+              <a:t>\</a:t>
+            </a:r>
+            <a:r>
+              <a:rPr lang="en-US" dirty="0" err="1">
+                <a:solidFill>
+                  <a:srgbClr val="0037A6"/>
+                </a:solidFill>
+                <a:effectLst/>
+                <a:latin typeface="JetBrains Mono"/>
+              </a:rPr>
+              <a:t>n</a:t>
+            </a:r>
+            <a:r>
+              <a:rPr lang="en-US" dirty="0" err="1">
+                <a:solidFill>
+                  <a:srgbClr val="067D17"/>
+                </a:solidFill>
+                <a:effectLst/>
+                <a:latin typeface="JetBrains Mono"/>
+              </a:rPr>
+              <a:t>exec</a:t>
+            </a:r>
+            <a:r>
+              <a:rPr lang="en-US" dirty="0">
+                <a:solidFill>
+                  <a:srgbClr val="067D17"/>
+                </a:solidFill>
+                <a:effectLst/>
+                <a:latin typeface="JetBrains Mono"/>
+              </a:rPr>
+              <a:t> </a:t>
+            </a:r>
+            <a:r>
+              <a:rPr lang="en-US" dirty="0" err="1">
+                <a:solidFill>
+                  <a:srgbClr val="067D17"/>
+                </a:solidFill>
+                <a:effectLst/>
+                <a:latin typeface="JetBrains Mono"/>
+              </a:rPr>
+              <a:t>Summ</a:t>
+            </a:r>
+            <a:r>
+              <a:rPr lang="en-US" dirty="0">
+                <a:solidFill>
+                  <a:srgbClr val="0037A6"/>
+                </a:solidFill>
+                <a:effectLst/>
+                <a:latin typeface="JetBrains Mono"/>
+              </a:rPr>
+              <a:t>\</a:t>
+            </a:r>
+            <a:r>
+              <a:rPr lang="en-US" dirty="0" err="1">
+                <a:solidFill>
+                  <a:srgbClr val="0037A6"/>
+                </a:solidFill>
+                <a:effectLst/>
+                <a:latin typeface="JetBrains Mono"/>
+              </a:rPr>
+              <a:t>n</a:t>
+            </a:r>
+            <a:r>
+              <a:rPr lang="en-US" dirty="0" err="1">
+                <a:solidFill>
+                  <a:srgbClr val="067D17"/>
+                </a:solidFill>
+                <a:effectLst/>
+                <a:latin typeface="JetBrains Mono"/>
+              </a:rPr>
+              <a:t>exec</a:t>
+            </a:r>
+            <a:r>
+              <a:rPr lang="en-US" dirty="0">
+                <a:solidFill>
+                  <a:srgbClr val="067D17"/>
+                </a:solidFill>
+                <a:effectLst/>
+                <a:latin typeface="JetBrains Mono"/>
+              </a:rPr>
+              <a:t> Print</a:t>
+            </a:r>
+            <a:r>
+              <a:rPr lang="en-US" dirty="0">
+                <a:solidFill>
+                  <a:srgbClr val="0037A6"/>
+                </a:solidFill>
+                <a:effectLst/>
+                <a:latin typeface="JetBrains Mono"/>
+              </a:rPr>
+              <a:t>\n</a:t>
+            </a:r>
+            <a:r>
+              <a:rPr lang="en-US" dirty="0">
+                <a:solidFill>
+                  <a:srgbClr val="067D17"/>
+                </a:solidFill>
+                <a:effectLst/>
+                <a:latin typeface="JetBrains Mono"/>
+              </a:rPr>
+              <a:t>"</a:t>
+            </a:r>
+            <a:r>
+              <a:rPr lang="en-US" dirty="0">
+                <a:solidFill>
+                  <a:srgbClr val="080808"/>
+                </a:solidFill>
+                <a:effectLst/>
+                <a:latin typeface="JetBrains Mono"/>
+              </a:rPr>
+              <a:t>));</a:t>
+            </a:r>
+          </a:p>
+          <a:p>
+            <a:endParaRPr lang="ru-RU" dirty="0"/>
+          </a:p>
+        </p:txBody>
+      </p:sp>
+    </p:spTree>
+    <p:extLst>
+      <p:ext uri="{BB962C8B-B14F-4D97-AF65-F5344CB8AC3E}">
+        <p14:creationId xmlns:p14="http://schemas.microsoft.com/office/powerpoint/2010/main" val="3946952413"/>
+      </p:ext>
+    </p:extLst>
+  </p:cSld>
+  <p:clrMapOvr>
+    <a:masterClrMapping/>
+  </p:clrMapOvr>
+</p:sld>
+</file>
+
+<file path=ppt/slides/slide51.xml><?xml version="1.0" encoding="utf-8"?>
+<p:sld xmlns:a="http://schemas.openxmlformats.org/drawingml/2006/main" xmlns:r="http://schemas.openxmlformats.org/officeDocument/2006/relationships" xmlns:p="http://schemas.openxmlformats.org/presentationml/2006/main">
+  <p:cSld>
+    <p:spTree>
+      <p:nvGrpSpPr>
+        <p:cNvPr id="1" name=""/>
+        <p:cNvGrpSpPr/>
+        <p:nvPr/>
+      </p:nvGrpSpPr>
+      <p:grpSpPr>
+        <a:xfrm>
+          <a:off x="0" y="0"/>
+          <a:ext cx="0" cy="0"/>
+          <a:chOff x="0" y="0"/>
+          <a:chExt cx="0" cy="0"/>
+        </a:xfrm>
+      </p:grpSpPr>
+      <p:sp>
+        <p:nvSpPr>
+          <p:cNvPr id="2" name="Title 1">
+            <a:extLst>
+              <a:ext uri="{FF2B5EF4-FFF2-40B4-BE49-F238E27FC236}">
+                <a16:creationId xmlns:a16="http://schemas.microsoft.com/office/drawing/2014/main" id="{2AB7E0CC-7CA8-0FEC-2404-ED2D14F59BE4}"/>
+              </a:ext>
+            </a:extLst>
+          </p:cNvPr>
+          <p:cNvSpPr>
+            <a:spLocks noGrp="1"/>
+          </p:cNvSpPr>
+          <p:nvPr>
+            <p:ph type="title"/>
+          </p:nvPr>
+        </p:nvSpPr>
+        <p:spPr/>
+        <p:txBody>
+          <a:bodyPr/>
+          <a:lstStyle/>
+          <a:p>
+            <a:r>
+              <a:rPr lang="en-US" dirty="0"/>
+              <a:t>Homework</a:t>
+            </a:r>
+            <a:endParaRPr lang="ru-RU" dirty="0"/>
+          </a:p>
+        </p:txBody>
+      </p:sp>
+      <p:sp>
+        <p:nvSpPr>
+          <p:cNvPr id="3" name="Content Placeholder 2">
+            <a:extLst>
+              <a:ext uri="{FF2B5EF4-FFF2-40B4-BE49-F238E27FC236}">
+                <a16:creationId xmlns:a16="http://schemas.microsoft.com/office/drawing/2014/main" id="{86BB4FDD-447B-5E76-2374-FF3BEA13EA38}"/>
+              </a:ext>
+            </a:extLst>
+          </p:cNvPr>
+          <p:cNvSpPr>
+            <a:spLocks noGrp="1"/>
+          </p:cNvSpPr>
+          <p:nvPr>
+            <p:ph idx="1"/>
+          </p:nvPr>
+        </p:nvSpPr>
+        <p:spPr/>
+        <p:txBody>
+          <a:bodyPr/>
+          <a:lstStyle/>
+          <a:p>
+            <a:pPr marL="0" indent="0">
+              <a:buNone/>
+            </a:pPr>
+            <a:r>
+              <a:rPr lang="en-US" dirty="0">
+                <a:solidFill>
+                  <a:srgbClr val="0033B3"/>
+                </a:solidFill>
+                <a:effectLst/>
+                <a:latin typeface="JetBrains Mono"/>
+              </a:rPr>
+              <a:t>let mut </a:t>
+            </a:r>
+            <a:r>
+              <a:rPr lang="en-US" dirty="0" err="1">
+                <a:solidFill>
+                  <a:srgbClr val="000000"/>
+                </a:solidFill>
+                <a:effectLst/>
+                <a:latin typeface="JetBrains Mono"/>
+              </a:rPr>
+              <a:t>interpretation_visitor</a:t>
+            </a:r>
+            <a:r>
+              <a:rPr lang="en-US" dirty="0">
+                <a:solidFill>
+                  <a:srgbClr val="000000"/>
+                </a:solidFill>
+                <a:effectLst/>
+                <a:latin typeface="JetBrains Mono"/>
+              </a:rPr>
+              <a:t> </a:t>
+            </a:r>
+            <a:r>
+              <a:rPr lang="en-US" dirty="0">
+                <a:solidFill>
+                  <a:srgbClr val="080808"/>
+                </a:solidFill>
+                <a:effectLst/>
+                <a:latin typeface="JetBrains Mono"/>
+              </a:rPr>
+              <a:t>= </a:t>
+            </a:r>
+            <a:r>
+              <a:rPr lang="en-US" dirty="0" err="1">
+                <a:solidFill>
+                  <a:srgbClr val="080808"/>
+                </a:solidFill>
+                <a:effectLst/>
+                <a:latin typeface="JetBrains Mono"/>
+              </a:rPr>
+              <a:t>InterpretationVisitor</a:t>
+            </a:r>
+            <a:r>
+              <a:rPr lang="en-US" dirty="0">
+                <a:solidFill>
+                  <a:srgbClr val="080808"/>
+                </a:solidFill>
+                <a:effectLst/>
+                <a:latin typeface="JetBrains Mono"/>
+              </a:rPr>
+              <a:t>::new();</a:t>
+            </a:r>
+            <a:br>
+              <a:rPr lang="en-US" dirty="0">
+                <a:solidFill>
+                  <a:srgbClr val="080808"/>
+                </a:solidFill>
+                <a:effectLst/>
+                <a:latin typeface="JetBrains Mono"/>
+              </a:rPr>
+            </a:br>
+            <a:r>
+              <a:rPr lang="en-US" dirty="0">
+                <a:solidFill>
+                  <a:srgbClr val="0033B3"/>
+                </a:solidFill>
+                <a:effectLst/>
+                <a:latin typeface="JetBrains Mono"/>
+              </a:rPr>
+              <a:t>for </a:t>
+            </a:r>
+            <a:r>
+              <a:rPr lang="en-US" dirty="0">
+                <a:solidFill>
+                  <a:srgbClr val="000000"/>
+                </a:solidFill>
+                <a:effectLst/>
+                <a:latin typeface="JetBrains Mono"/>
+              </a:rPr>
+              <a:t>token </a:t>
+            </a:r>
+            <a:r>
+              <a:rPr lang="en-US" dirty="0">
+                <a:solidFill>
+                  <a:srgbClr val="0033B3"/>
+                </a:solidFill>
+                <a:effectLst/>
+                <a:latin typeface="JetBrains Mono"/>
+              </a:rPr>
+              <a:t>in </a:t>
+            </a:r>
+            <a:r>
+              <a:rPr lang="en-US" dirty="0">
+                <a:solidFill>
+                  <a:srgbClr val="080808"/>
+                </a:solidFill>
+                <a:effectLst/>
+                <a:latin typeface="JetBrains Mono"/>
+              </a:rPr>
+              <a:t>&amp;</a:t>
+            </a:r>
+            <a:r>
+              <a:rPr lang="en-US" dirty="0">
+                <a:solidFill>
+                  <a:srgbClr val="000000"/>
+                </a:solidFill>
+                <a:effectLst/>
+                <a:latin typeface="JetBrains Mono"/>
+              </a:rPr>
+              <a:t>tokens </a:t>
+            </a:r>
+            <a:r>
+              <a:rPr lang="en-US" dirty="0">
+                <a:solidFill>
+                  <a:srgbClr val="080808"/>
+                </a:solidFill>
+                <a:effectLst/>
+                <a:latin typeface="JetBrains Mono"/>
+              </a:rPr>
+              <a:t>{</a:t>
+            </a:r>
+            <a:br>
+              <a:rPr lang="en-US" dirty="0">
+                <a:solidFill>
+                  <a:srgbClr val="080808"/>
+                </a:solidFill>
+                <a:effectLst/>
+                <a:latin typeface="JetBrains Mono"/>
+              </a:rPr>
+            </a:br>
+            <a:r>
+              <a:rPr lang="en-US" dirty="0">
+                <a:solidFill>
+                  <a:srgbClr val="080808"/>
+                </a:solidFill>
+                <a:effectLst/>
+                <a:latin typeface="JetBrains Mono"/>
+              </a:rPr>
+              <a:t>    </a:t>
+            </a:r>
+            <a:r>
+              <a:rPr lang="en-US" i="1" dirty="0">
+                <a:solidFill>
+                  <a:srgbClr val="8C8C8C"/>
+                </a:solidFill>
+                <a:effectLst/>
+                <a:latin typeface="JetBrains Mono"/>
+              </a:rPr>
+              <a:t>// token is Statement</a:t>
+            </a:r>
+            <a:br>
+              <a:rPr lang="en-US" i="1" dirty="0">
+                <a:solidFill>
+                  <a:srgbClr val="8C8C8C"/>
+                </a:solidFill>
+                <a:effectLst/>
+                <a:latin typeface="JetBrains Mono"/>
+              </a:rPr>
+            </a:br>
+            <a:r>
+              <a:rPr lang="en-US" i="1" dirty="0">
+                <a:solidFill>
+                  <a:srgbClr val="8C8C8C"/>
+                </a:solidFill>
+                <a:effectLst/>
+                <a:latin typeface="JetBrains Mono"/>
+              </a:rPr>
+              <a:t>    </a:t>
+            </a:r>
+            <a:r>
+              <a:rPr lang="en-US" dirty="0" err="1">
+                <a:solidFill>
+                  <a:srgbClr val="000000"/>
+                </a:solidFill>
+                <a:effectLst/>
+                <a:latin typeface="JetBrains Mono"/>
+              </a:rPr>
+              <a:t>token</a:t>
+            </a:r>
+            <a:r>
+              <a:rPr lang="en-US" dirty="0" err="1">
+                <a:solidFill>
+                  <a:srgbClr val="080808"/>
+                </a:solidFill>
+                <a:effectLst/>
+                <a:latin typeface="JetBrains Mono"/>
+              </a:rPr>
+              <a:t>.accept</a:t>
+            </a:r>
+            <a:r>
+              <a:rPr lang="en-US" dirty="0">
+                <a:solidFill>
+                  <a:srgbClr val="080808"/>
+                </a:solidFill>
+                <a:effectLst/>
+                <a:latin typeface="JetBrains Mono"/>
+              </a:rPr>
+              <a:t>(&amp;</a:t>
+            </a:r>
+            <a:r>
+              <a:rPr lang="en-US" dirty="0">
+                <a:solidFill>
+                  <a:srgbClr val="0033B3"/>
+                </a:solidFill>
+                <a:effectLst/>
+                <a:latin typeface="JetBrains Mono"/>
+              </a:rPr>
+              <a:t>mut </a:t>
+            </a:r>
+            <a:r>
+              <a:rPr lang="en-US" dirty="0" err="1">
+                <a:solidFill>
+                  <a:srgbClr val="000000"/>
+                </a:solidFill>
+                <a:effectLst/>
+                <a:latin typeface="JetBrains Mono"/>
+              </a:rPr>
+              <a:t>interpretation_visitor</a:t>
+            </a:r>
+            <a:r>
+              <a:rPr lang="en-US" dirty="0">
+                <a:solidFill>
+                  <a:srgbClr val="080808"/>
+                </a:solidFill>
+                <a:effectLst/>
+                <a:latin typeface="JetBrains Mono"/>
+              </a:rPr>
+              <a:t>)</a:t>
+            </a:r>
+            <a:br>
+              <a:rPr lang="en-US" dirty="0">
+                <a:solidFill>
+                  <a:srgbClr val="080808"/>
+                </a:solidFill>
+                <a:effectLst/>
+                <a:latin typeface="JetBrains Mono"/>
+              </a:rPr>
+            </a:br>
+            <a:r>
+              <a:rPr lang="en-US" dirty="0">
+                <a:solidFill>
+                  <a:srgbClr val="080808"/>
+                </a:solidFill>
+                <a:effectLst/>
+                <a:latin typeface="JetBrains Mono"/>
+              </a:rPr>
+              <a:t>}</a:t>
+            </a:r>
+            <a:br>
+              <a:rPr lang="en-US" dirty="0">
+                <a:solidFill>
+                  <a:srgbClr val="080808"/>
+                </a:solidFill>
+                <a:effectLst/>
+                <a:latin typeface="JetBrains Mono"/>
+              </a:rPr>
+            </a:br>
+            <a:r>
+              <a:rPr lang="en-US" dirty="0">
+                <a:solidFill>
+                  <a:srgbClr val="0033B3"/>
+                </a:solidFill>
+                <a:effectLst/>
+                <a:latin typeface="JetBrains Mono"/>
+              </a:rPr>
+              <a:t>let </a:t>
+            </a:r>
+            <a:r>
+              <a:rPr lang="en-US" dirty="0" err="1">
+                <a:solidFill>
+                  <a:srgbClr val="000000"/>
+                </a:solidFill>
+                <a:effectLst/>
+                <a:latin typeface="JetBrains Mono"/>
+              </a:rPr>
+              <a:t>std_out</a:t>
+            </a:r>
+            <a:r>
+              <a:rPr lang="en-US" dirty="0">
+                <a:solidFill>
+                  <a:srgbClr val="080808"/>
+                </a:solidFill>
+                <a:effectLst/>
+                <a:latin typeface="JetBrains Mono"/>
+              </a:rPr>
+              <a:t>: </a:t>
+            </a:r>
+            <a:r>
+              <a:rPr lang="en-US" dirty="0">
+                <a:solidFill>
+                  <a:srgbClr val="000000"/>
+                </a:solidFill>
+                <a:effectLst/>
+                <a:latin typeface="JetBrains Mono"/>
+              </a:rPr>
+              <a:t>String </a:t>
+            </a:r>
+            <a:r>
+              <a:rPr lang="en-US" dirty="0">
+                <a:solidFill>
+                  <a:srgbClr val="080808"/>
+                </a:solidFill>
+                <a:effectLst/>
+                <a:latin typeface="JetBrains Mono"/>
+              </a:rPr>
+              <a:t>= </a:t>
+            </a:r>
+            <a:r>
+              <a:rPr lang="en-US" dirty="0" err="1">
+                <a:solidFill>
+                  <a:srgbClr val="000000"/>
+                </a:solidFill>
+                <a:effectLst/>
+                <a:latin typeface="JetBrains Mono"/>
+              </a:rPr>
+              <a:t>interpretation_visitor</a:t>
+            </a:r>
+            <a:r>
+              <a:rPr lang="en-US" dirty="0" err="1">
+                <a:solidFill>
+                  <a:srgbClr val="080808"/>
+                </a:solidFill>
+                <a:effectLst/>
+                <a:latin typeface="JetBrains Mono"/>
+              </a:rPr>
+              <a:t>.extract_stdout</a:t>
+            </a:r>
+            <a:r>
+              <a:rPr lang="en-US" dirty="0">
+                <a:solidFill>
+                  <a:srgbClr val="080808"/>
+                </a:solidFill>
+                <a:effectLst/>
+                <a:latin typeface="JetBrains Mono"/>
+              </a:rPr>
+              <a:t>();</a:t>
+            </a:r>
+            <a:br>
+              <a:rPr lang="en-US" dirty="0">
+                <a:solidFill>
+                  <a:srgbClr val="080808"/>
+                </a:solidFill>
+                <a:effectLst/>
+                <a:latin typeface="JetBrains Mono"/>
+              </a:rPr>
+            </a:br>
+            <a:r>
+              <a:rPr lang="en-US" dirty="0" err="1">
+                <a:solidFill>
+                  <a:srgbClr val="DD6718"/>
+                </a:solidFill>
+                <a:effectLst/>
+                <a:latin typeface="JetBrains Mono"/>
+              </a:rPr>
+              <a:t>assert_eq</a:t>
+            </a:r>
+            <a:r>
+              <a:rPr lang="en-US" dirty="0">
+                <a:solidFill>
+                  <a:srgbClr val="DD6718"/>
+                </a:solidFill>
+                <a:effectLst/>
+                <a:latin typeface="JetBrains Mono"/>
+              </a:rPr>
+              <a:t>!</a:t>
+            </a:r>
+            <a:r>
+              <a:rPr lang="en-US" dirty="0">
+                <a:solidFill>
+                  <a:srgbClr val="080808"/>
+                </a:solidFill>
+                <a:effectLst/>
+                <a:latin typeface="JetBrains Mono"/>
+              </a:rPr>
+              <a:t>(</a:t>
+            </a:r>
+            <a:r>
+              <a:rPr lang="en-US" dirty="0" err="1">
+                <a:solidFill>
+                  <a:srgbClr val="000000"/>
+                </a:solidFill>
+                <a:effectLst/>
+                <a:latin typeface="JetBrains Mono"/>
+              </a:rPr>
+              <a:t>std_out</a:t>
+            </a:r>
+            <a:r>
+              <a:rPr lang="en-US" dirty="0">
+                <a:solidFill>
+                  <a:srgbClr val="080808"/>
+                </a:solidFill>
+                <a:effectLst/>
+                <a:latin typeface="JetBrains Mono"/>
+              </a:rPr>
+              <a:t>, </a:t>
+            </a:r>
+            <a:r>
+              <a:rPr lang="en-US" dirty="0">
+                <a:solidFill>
+                  <a:srgbClr val="000000"/>
+                </a:solidFill>
+                <a:effectLst/>
+                <a:latin typeface="JetBrains Mono"/>
+              </a:rPr>
+              <a:t>String</a:t>
+            </a:r>
+            <a:r>
+              <a:rPr lang="en-US" dirty="0">
+                <a:solidFill>
+                  <a:srgbClr val="080808"/>
+                </a:solidFill>
+                <a:effectLst/>
+                <a:latin typeface="JetBrains Mono"/>
+              </a:rPr>
+              <a:t>::</a:t>
+            </a:r>
+            <a:r>
+              <a:rPr lang="en-US" i="1" dirty="0">
+                <a:solidFill>
+                  <a:srgbClr val="00627A"/>
+                </a:solidFill>
+                <a:effectLst/>
+                <a:latin typeface="JetBrains Mono"/>
+              </a:rPr>
+              <a:t>from</a:t>
+            </a:r>
+            <a:r>
+              <a:rPr lang="en-US" dirty="0">
+                <a:solidFill>
+                  <a:srgbClr val="080808"/>
+                </a:solidFill>
+                <a:effectLst/>
+                <a:latin typeface="JetBrains Mono"/>
+              </a:rPr>
+              <a:t>(</a:t>
+            </a:r>
+            <a:r>
+              <a:rPr lang="en-US" dirty="0">
+                <a:solidFill>
+                  <a:srgbClr val="067D17"/>
+                </a:solidFill>
+                <a:effectLst/>
+                <a:latin typeface="JetBrains Mono"/>
+              </a:rPr>
+              <a:t>"42"</a:t>
+            </a:r>
+            <a:r>
+              <a:rPr lang="en-US" dirty="0">
+                <a:solidFill>
+                  <a:srgbClr val="080808"/>
+                </a:solidFill>
+                <a:effectLst/>
+                <a:latin typeface="JetBrains Mono"/>
+              </a:rPr>
+              <a:t>));</a:t>
+            </a:r>
+          </a:p>
+          <a:p>
+            <a:pPr marL="0" indent="0">
+              <a:buNone/>
+            </a:pPr>
+            <a:endParaRPr lang="ru-RU" dirty="0"/>
+          </a:p>
+        </p:txBody>
+      </p:sp>
+    </p:spTree>
+    <p:extLst>
+      <p:ext uri="{BB962C8B-B14F-4D97-AF65-F5344CB8AC3E}">
+        <p14:creationId xmlns:p14="http://schemas.microsoft.com/office/powerpoint/2010/main" val="4249043936"/>
+      </p:ext>
+    </p:extLst>
+  </p:cSld>
+  <p:clrMapOvr>
+    <a:masterClrMapping/>
+  </p:clrMapOvr>
+</p:sld>
+</file>
+
+<file path=ppt/slides/slide52.xml><?xml version="1.0" encoding="utf-8"?>
+<p:sld xmlns:a="http://schemas.openxmlformats.org/drawingml/2006/main" xmlns:r="http://schemas.openxmlformats.org/officeDocument/2006/relationships" xmlns:p="http://schemas.openxmlformats.org/presentationml/2006/main">
+  <p:cSld>
+    <p:spTree>
+      <p:nvGrpSpPr>
+        <p:cNvPr id="1" name=""/>
+        <p:cNvGrpSpPr/>
+        <p:nvPr/>
+      </p:nvGrpSpPr>
+      <p:grpSpPr>
+        <a:xfrm>
+          <a:off x="0" y="0"/>
+          <a:ext cx="0" cy="0"/>
+          <a:chOff x="0" y="0"/>
+          <a:chExt cx="0" cy="0"/>
+        </a:xfrm>
+      </p:grpSpPr>
+      <p:sp>
+        <p:nvSpPr>
+          <p:cNvPr id="2" name="Title 1">
+            <a:extLst>
+              <a:ext uri="{FF2B5EF4-FFF2-40B4-BE49-F238E27FC236}">
+                <a16:creationId xmlns:a16="http://schemas.microsoft.com/office/drawing/2014/main" id="{533746C2-E0D4-908C-D6A6-61670358A630}"/>
+              </a:ext>
+            </a:extLst>
+          </p:cNvPr>
+          <p:cNvSpPr>
+            <a:spLocks noGrp="1"/>
+          </p:cNvSpPr>
+          <p:nvPr>
+            <p:ph type="title"/>
+          </p:nvPr>
+        </p:nvSpPr>
+        <p:spPr/>
+        <p:txBody>
+          <a:bodyPr/>
+          <a:lstStyle/>
+          <a:p>
+            <a:r>
+              <a:rPr lang="en-US" dirty="0"/>
+              <a:t>Homework</a:t>
+            </a:r>
+            <a:endParaRPr lang="ru-RU" dirty="0"/>
+          </a:p>
+        </p:txBody>
+      </p:sp>
+      <p:sp>
+        <p:nvSpPr>
+          <p:cNvPr id="3" name="Content Placeholder 2">
+            <a:extLst>
+              <a:ext uri="{FF2B5EF4-FFF2-40B4-BE49-F238E27FC236}">
+                <a16:creationId xmlns:a16="http://schemas.microsoft.com/office/drawing/2014/main" id="{17293F80-3C13-E5DE-8A21-86DD7E5C6E6C}"/>
+              </a:ext>
+            </a:extLst>
+          </p:cNvPr>
+          <p:cNvSpPr>
+            <a:spLocks noGrp="1"/>
+          </p:cNvSpPr>
+          <p:nvPr>
+            <p:ph idx="1"/>
+          </p:nvPr>
+        </p:nvSpPr>
+        <p:spPr/>
+        <p:txBody>
+          <a:bodyPr/>
+          <a:lstStyle/>
+          <a:p>
+            <a:r>
+              <a:rPr lang="en-US" dirty="0"/>
+              <a:t>Sub-Modules</a:t>
+            </a:r>
+          </a:p>
+          <a:p>
+            <a:r>
+              <a:rPr lang="en-US" dirty="0"/>
+              <a:t>Visibility</a:t>
+            </a:r>
+            <a:endParaRPr lang="ru-RU" dirty="0"/>
+          </a:p>
+        </p:txBody>
+      </p:sp>
+    </p:spTree>
+    <p:extLst>
+      <p:ext uri="{BB962C8B-B14F-4D97-AF65-F5344CB8AC3E}">
+        <p14:creationId xmlns:p14="http://schemas.microsoft.com/office/powerpoint/2010/main" val="2915263792"/>
+      </p:ext>
+    </p:extLst>
+  </p:cSld>
+  <p:clrMapOvr>
+    <a:masterClrMapping/>
+  </p:clrMapOvr>
+</p:sld>
+</file>
+
+<file path=ppt/slides/slide53.xml><?xml version="1.0" encoding="utf-8"?>
+<p:sld xmlns:a="http://schemas.openxmlformats.org/drawingml/2006/main" xmlns:r="http://schemas.openxmlformats.org/officeDocument/2006/relationships" xmlns:p="http://schemas.openxmlformats.org/presentationml/2006/main">
+  <p:cSld>
+    <p:spTree>
+      <p:nvGrpSpPr>
+        <p:cNvPr id="1" name=""/>
+        <p:cNvGrpSpPr/>
+        <p:nvPr/>
+      </p:nvGrpSpPr>
+      <p:grpSpPr>
+        <a:xfrm>
+          <a:off x="0" y="0"/>
+          <a:ext cx="0" cy="0"/>
+          <a:chOff x="0" y="0"/>
+          <a:chExt cx="0" cy="0"/>
+        </a:xfrm>
+      </p:grpSpPr>
+      <p:sp>
+        <p:nvSpPr>
+          <p:cNvPr id="2" name="Title 1">
+            <a:extLst>
+              <a:ext uri="{FF2B5EF4-FFF2-40B4-BE49-F238E27FC236}">
+                <a16:creationId xmlns:a16="http://schemas.microsoft.com/office/drawing/2014/main" id="{6EAC2F57-76F8-946A-9A2F-91D6B0DFCD10}"/>
+              </a:ext>
+            </a:extLst>
+          </p:cNvPr>
+          <p:cNvSpPr>
+            <a:spLocks noGrp="1"/>
+          </p:cNvSpPr>
+          <p:nvPr>
+            <p:ph type="title"/>
+          </p:nvPr>
+        </p:nvSpPr>
+        <p:spPr/>
+        <p:txBody>
+          <a:bodyPr/>
+          <a:lstStyle/>
+          <a:p>
+            <a:r>
+              <a:rPr lang="en-US" dirty="0"/>
+              <a:t>Homework</a:t>
+            </a:r>
+            <a:endParaRPr lang="ru-RU" dirty="0"/>
+          </a:p>
+        </p:txBody>
+      </p:sp>
+      <p:sp>
+        <p:nvSpPr>
+          <p:cNvPr id="3" name="Content Placeholder 2">
+            <a:extLst>
+              <a:ext uri="{FF2B5EF4-FFF2-40B4-BE49-F238E27FC236}">
+                <a16:creationId xmlns:a16="http://schemas.microsoft.com/office/drawing/2014/main" id="{357DED15-6CD3-6C54-F2B8-38B251C4BF7A}"/>
+              </a:ext>
+            </a:extLst>
+          </p:cNvPr>
+          <p:cNvSpPr>
+            <a:spLocks noGrp="1"/>
+          </p:cNvSpPr>
+          <p:nvPr>
+            <p:ph idx="1"/>
+          </p:nvPr>
+        </p:nvSpPr>
+        <p:spPr/>
+        <p:txBody>
+          <a:bodyPr/>
+          <a:lstStyle/>
+          <a:p>
+            <a:r>
+              <a:rPr lang="en-US" dirty="0">
+                <a:hlinkClick r:id="rId2"/>
+              </a:rPr>
+              <a:t>https://classroom.github.com/a/t24fGgA0</a:t>
+            </a:r>
+            <a:endParaRPr lang="en-US" dirty="0"/>
+          </a:p>
+          <a:p>
+            <a:r>
+              <a:rPr lang="en-US" dirty="0"/>
+              <a:t>Rustlings:</a:t>
+            </a:r>
+          </a:p>
+          <a:p>
+            <a:pPr lvl="1"/>
+            <a:r>
+              <a:rPr lang="en-US" dirty="0"/>
+              <a:t>modules</a:t>
+            </a:r>
+            <a:endParaRPr lang="ru-RU" dirty="0"/>
+          </a:p>
+        </p:txBody>
+      </p:sp>
+    </p:spTree>
+    <p:extLst>
+      <p:ext uri="{BB962C8B-B14F-4D97-AF65-F5344CB8AC3E}">
+        <p14:creationId xmlns:p14="http://schemas.microsoft.com/office/powerpoint/2010/main" val="1237145490"/>
+      </p:ext>
+    </p:extLst>
+  </p:cSld>
+  <p:clrMapOvr>
+    <a:masterClrMapping/>
+  </p:clrMapOvr>
 </p:sld>
 </file>
 
